--- a/DOCUMENTOS/pruebas.pptx
+++ b/DOCUMENTOS/pruebas.pptx
@@ -10,6 +10,7 @@
     <p:sldId id="258" r:id="rId4"/>
     <p:sldId id="259" r:id="rId5"/>
     <p:sldId id="260" r:id="rId6"/>
+    <p:sldId id="261" r:id="rId7"/>
   </p:sldIdLst>
   <p:sldSz cx="12192000" cy="6858000"/>
   <p:notesSz cx="6858000" cy="9144000"/>
@@ -263,7 +264,7 @@
           <a:p>
             <a:fld id="{EDAEA687-FD54-4C1E-B5BE-4D2DA1082E4F}" type="datetimeFigureOut">
               <a:rPr lang="es-ES" smtClean="0"/>
-              <a:t>14/05/2018</a:t>
+              <a:t>17/05/2018</a:t>
             </a:fld>
             <a:endParaRPr lang="es-ES"/>
           </a:p>
@@ -461,7 +462,7 @@
           <a:p>
             <a:fld id="{EDAEA687-FD54-4C1E-B5BE-4D2DA1082E4F}" type="datetimeFigureOut">
               <a:rPr lang="es-ES" smtClean="0"/>
-              <a:t>14/05/2018</a:t>
+              <a:t>17/05/2018</a:t>
             </a:fld>
             <a:endParaRPr lang="es-ES"/>
           </a:p>
@@ -669,7 +670,7 @@
           <a:p>
             <a:fld id="{EDAEA687-FD54-4C1E-B5BE-4D2DA1082E4F}" type="datetimeFigureOut">
               <a:rPr lang="es-ES" smtClean="0"/>
-              <a:t>14/05/2018</a:t>
+              <a:t>17/05/2018</a:t>
             </a:fld>
             <a:endParaRPr lang="es-ES"/>
           </a:p>
@@ -867,7 +868,7 @@
           <a:p>
             <a:fld id="{EDAEA687-FD54-4C1E-B5BE-4D2DA1082E4F}" type="datetimeFigureOut">
               <a:rPr lang="es-ES" smtClean="0"/>
-              <a:t>14/05/2018</a:t>
+              <a:t>17/05/2018</a:t>
             </a:fld>
             <a:endParaRPr lang="es-ES"/>
           </a:p>
@@ -1142,7 +1143,7 @@
           <a:p>
             <a:fld id="{EDAEA687-FD54-4C1E-B5BE-4D2DA1082E4F}" type="datetimeFigureOut">
               <a:rPr lang="es-ES" smtClean="0"/>
-              <a:t>14/05/2018</a:t>
+              <a:t>17/05/2018</a:t>
             </a:fld>
             <a:endParaRPr lang="es-ES"/>
           </a:p>
@@ -1407,7 +1408,7 @@
           <a:p>
             <a:fld id="{EDAEA687-FD54-4C1E-B5BE-4D2DA1082E4F}" type="datetimeFigureOut">
               <a:rPr lang="es-ES" smtClean="0"/>
-              <a:t>14/05/2018</a:t>
+              <a:t>17/05/2018</a:t>
             </a:fld>
             <a:endParaRPr lang="es-ES"/>
           </a:p>
@@ -1819,7 +1820,7 @@
           <a:p>
             <a:fld id="{EDAEA687-FD54-4C1E-B5BE-4D2DA1082E4F}" type="datetimeFigureOut">
               <a:rPr lang="es-ES" smtClean="0"/>
-              <a:t>14/05/2018</a:t>
+              <a:t>17/05/2018</a:t>
             </a:fld>
             <a:endParaRPr lang="es-ES"/>
           </a:p>
@@ -1960,7 +1961,7 @@
           <a:p>
             <a:fld id="{EDAEA687-FD54-4C1E-B5BE-4D2DA1082E4F}" type="datetimeFigureOut">
               <a:rPr lang="es-ES" smtClean="0"/>
-              <a:t>14/05/2018</a:t>
+              <a:t>17/05/2018</a:t>
             </a:fld>
             <a:endParaRPr lang="es-ES"/>
           </a:p>
@@ -2073,7 +2074,7 @@
           <a:p>
             <a:fld id="{EDAEA687-FD54-4C1E-B5BE-4D2DA1082E4F}" type="datetimeFigureOut">
               <a:rPr lang="es-ES" smtClean="0"/>
-              <a:t>14/05/2018</a:t>
+              <a:t>17/05/2018</a:t>
             </a:fld>
             <a:endParaRPr lang="es-ES"/>
           </a:p>
@@ -2384,7 +2385,7 @@
           <a:p>
             <a:fld id="{EDAEA687-FD54-4C1E-B5BE-4D2DA1082E4F}" type="datetimeFigureOut">
               <a:rPr lang="es-ES" smtClean="0"/>
-              <a:t>14/05/2018</a:t>
+              <a:t>17/05/2018</a:t>
             </a:fld>
             <a:endParaRPr lang="es-ES"/>
           </a:p>
@@ -2672,7 +2673,7 @@
           <a:p>
             <a:fld id="{EDAEA687-FD54-4C1E-B5BE-4D2DA1082E4F}" type="datetimeFigureOut">
               <a:rPr lang="es-ES" smtClean="0"/>
-              <a:t>14/05/2018</a:t>
+              <a:t>17/05/2018</a:t>
             </a:fld>
             <a:endParaRPr lang="es-ES"/>
           </a:p>
@@ -2913,7 +2914,7 @@
           <a:p>
             <a:fld id="{EDAEA687-FD54-4C1E-B5BE-4D2DA1082E4F}" type="datetimeFigureOut">
               <a:rPr lang="es-ES" smtClean="0"/>
-              <a:t>14/05/2018</a:t>
+              <a:t>17/05/2018</a:t>
             </a:fld>
             <a:endParaRPr lang="es-ES"/>
           </a:p>
@@ -6717,6 +6718,1264 @@
 </p:sld>
 </file>
 
+<file path=ppt/slides/slide6.xml><?xml version="1.0" encoding="utf-8"?>
+<p:sld xmlns:a="http://schemas.openxmlformats.org/drawingml/2006/main" xmlns:r="http://schemas.openxmlformats.org/officeDocument/2006/relationships" xmlns:p="http://schemas.openxmlformats.org/presentationml/2006/main">
+  <p:cSld>
+    <p:bg>
+      <p:bgPr>
+        <a:gradFill>
+          <a:gsLst>
+            <a:gs pos="0">
+              <a:schemeClr val="bg2">
+                <a:tint val="96000"/>
+                <a:shade val="100000"/>
+                <a:hueMod val="270000"/>
+                <a:satMod val="200000"/>
+                <a:lumMod val="128000"/>
+              </a:schemeClr>
+            </a:gs>
+            <a:gs pos="50000">
+              <a:schemeClr val="bg2">
+                <a:shade val="100000"/>
+                <a:hueMod val="100000"/>
+                <a:satMod val="110000"/>
+                <a:lumMod val="130000"/>
+              </a:schemeClr>
+            </a:gs>
+            <a:gs pos="100000">
+              <a:schemeClr val="bg2">
+                <a:shade val="78000"/>
+                <a:hueMod val="44000"/>
+                <a:satMod val="200000"/>
+                <a:lumMod val="69000"/>
+              </a:schemeClr>
+            </a:gs>
+          </a:gsLst>
+          <a:lin ang="2520000" scaled="0"/>
+        </a:gradFill>
+        <a:effectLst/>
+      </p:bgPr>
+    </p:bg>
+    <p:spTree>
+      <p:nvGrpSpPr>
+        <p:cNvPr id="1" name=""/>
+        <p:cNvGrpSpPr/>
+        <p:nvPr/>
+      </p:nvGrpSpPr>
+      <p:grpSpPr>
+        <a:xfrm>
+          <a:off x="0" y="0"/>
+          <a:ext cx="0" cy="0"/>
+          <a:chOff x="0" y="0"/>
+          <a:chExt cx="0" cy="0"/>
+        </a:xfrm>
+      </p:grpSpPr>
+      <p:sp>
+        <p:nvSpPr>
+          <p:cNvPr id="3" name="Rectángulo 2">
+            <a:extLst>
+              <a:ext uri="{FF2B5EF4-FFF2-40B4-BE49-F238E27FC236}">
+                <a16:creationId xmlns:a16="http://schemas.microsoft.com/office/drawing/2014/main" id="{011DA267-8E11-4F22-937A-CF80E974C997}"/>
+              </a:ext>
+            </a:extLst>
+          </p:cNvPr>
+          <p:cNvSpPr/>
+          <p:nvPr/>
+        </p:nvSpPr>
+        <p:spPr>
+          <a:xfrm>
+            <a:off x="266330" y="2691414"/>
+            <a:ext cx="2104008" cy="914400"/>
+          </a:xfrm>
+          <a:prstGeom prst="rect">
+            <a:avLst/>
+          </a:prstGeom>
+        </p:spPr>
+        <p:style>
+          <a:lnRef idx="2">
+            <a:schemeClr val="accent1">
+              <a:shade val="50000"/>
+            </a:schemeClr>
+          </a:lnRef>
+          <a:fillRef idx="1">
+            <a:schemeClr val="accent1"/>
+          </a:fillRef>
+          <a:effectRef idx="0">
+            <a:schemeClr val="accent1"/>
+          </a:effectRef>
+          <a:fontRef idx="minor">
+            <a:schemeClr val="lt1"/>
+          </a:fontRef>
+        </p:style>
+        <p:txBody>
+          <a:bodyPr rtlCol="0" anchor="ctr"/>
+          <a:lstStyle/>
+          <a:p>
+            <a:pPr algn="ctr"/>
+            <a:r>
+              <a:rPr lang="es-ES" dirty="0"/>
+              <a:t>Maquina de estados</a:t>
+            </a:r>
+          </a:p>
+        </p:txBody>
+      </p:sp>
+      <p:cxnSp>
+        <p:nvCxnSpPr>
+          <p:cNvPr id="9" name="Conector recto de flecha 8">
+            <a:extLst>
+              <a:ext uri="{FF2B5EF4-FFF2-40B4-BE49-F238E27FC236}">
+                <a16:creationId xmlns:a16="http://schemas.microsoft.com/office/drawing/2014/main" id="{1CC9E66A-0DB1-4AA0-9618-5FA6427CA624}"/>
+              </a:ext>
+            </a:extLst>
+          </p:cNvPr>
+          <p:cNvCxnSpPr>
+            <a:cxnSpLocks/>
+            <a:stCxn id="3" idx="3"/>
+            <a:endCxn id="21" idx="2"/>
+          </p:cNvCxnSpPr>
+          <p:nvPr/>
+        </p:nvCxnSpPr>
+        <p:spPr>
+          <a:xfrm flipV="1">
+            <a:off x="2370338" y="1940495"/>
+            <a:ext cx="1518080" cy="1208119"/>
+          </a:xfrm>
+          <a:prstGeom prst="straightConnector1">
+            <a:avLst/>
+          </a:prstGeom>
+          <a:ln>
+            <a:tailEnd type="triangle"/>
+          </a:ln>
+        </p:spPr>
+        <p:style>
+          <a:lnRef idx="1">
+            <a:schemeClr val="accent1"/>
+          </a:lnRef>
+          <a:fillRef idx="0">
+            <a:schemeClr val="accent1"/>
+          </a:fillRef>
+          <a:effectRef idx="0">
+            <a:schemeClr val="accent1"/>
+          </a:effectRef>
+          <a:fontRef idx="minor">
+            <a:schemeClr val="tx1"/>
+          </a:fontRef>
+        </p:style>
+      </p:cxnSp>
+      <p:cxnSp>
+        <p:nvCxnSpPr>
+          <p:cNvPr id="12" name="Conector recto de flecha 11">
+            <a:extLst>
+              <a:ext uri="{FF2B5EF4-FFF2-40B4-BE49-F238E27FC236}">
+                <a16:creationId xmlns:a16="http://schemas.microsoft.com/office/drawing/2014/main" id="{65B57FC2-015D-4051-8A49-457B3E40CEE6}"/>
+              </a:ext>
+            </a:extLst>
+          </p:cNvPr>
+          <p:cNvCxnSpPr>
+            <a:cxnSpLocks/>
+            <a:stCxn id="3" idx="3"/>
+            <a:endCxn id="22" idx="2"/>
+          </p:cNvCxnSpPr>
+          <p:nvPr/>
+        </p:nvCxnSpPr>
+        <p:spPr>
+          <a:xfrm>
+            <a:off x="2370338" y="3148614"/>
+            <a:ext cx="1518080" cy="173084"/>
+          </a:xfrm>
+          <a:prstGeom prst="straightConnector1">
+            <a:avLst/>
+          </a:prstGeom>
+          <a:ln>
+            <a:tailEnd type="triangle"/>
+          </a:ln>
+        </p:spPr>
+        <p:style>
+          <a:lnRef idx="1">
+            <a:schemeClr val="accent1"/>
+          </a:lnRef>
+          <a:fillRef idx="0">
+            <a:schemeClr val="accent1"/>
+          </a:fillRef>
+          <a:effectRef idx="0">
+            <a:schemeClr val="accent1"/>
+          </a:effectRef>
+          <a:fontRef idx="minor">
+            <a:schemeClr val="tx1"/>
+          </a:fontRef>
+        </p:style>
+      </p:cxnSp>
+      <p:cxnSp>
+        <p:nvCxnSpPr>
+          <p:cNvPr id="20" name="Conector recto de flecha 19">
+            <a:extLst>
+              <a:ext uri="{FF2B5EF4-FFF2-40B4-BE49-F238E27FC236}">
+                <a16:creationId xmlns:a16="http://schemas.microsoft.com/office/drawing/2014/main" id="{CE053AB0-3E9B-488E-882F-C06DFE91896E}"/>
+              </a:ext>
+            </a:extLst>
+          </p:cNvPr>
+          <p:cNvCxnSpPr>
+            <a:cxnSpLocks/>
+            <a:stCxn id="3" idx="3"/>
+            <a:endCxn id="23" idx="2"/>
+          </p:cNvCxnSpPr>
+          <p:nvPr/>
+        </p:nvCxnSpPr>
+        <p:spPr>
+          <a:xfrm>
+            <a:off x="2370338" y="3148614"/>
+            <a:ext cx="1518080" cy="1679392"/>
+          </a:xfrm>
+          <a:prstGeom prst="straightConnector1">
+            <a:avLst/>
+          </a:prstGeom>
+          <a:ln>
+            <a:tailEnd type="triangle"/>
+          </a:ln>
+        </p:spPr>
+        <p:style>
+          <a:lnRef idx="1">
+            <a:schemeClr val="accent1"/>
+          </a:lnRef>
+          <a:fillRef idx="0">
+            <a:schemeClr val="accent1"/>
+          </a:fillRef>
+          <a:effectRef idx="0">
+            <a:schemeClr val="accent1"/>
+          </a:effectRef>
+          <a:fontRef idx="minor">
+            <a:schemeClr val="tx1"/>
+          </a:fontRef>
+        </p:style>
+      </p:cxnSp>
+      <p:cxnSp>
+        <p:nvCxnSpPr>
+          <p:cNvPr id="24" name="Conector recto de flecha 23">
+            <a:extLst>
+              <a:ext uri="{FF2B5EF4-FFF2-40B4-BE49-F238E27FC236}">
+                <a16:creationId xmlns:a16="http://schemas.microsoft.com/office/drawing/2014/main" id="{BE201B90-68C7-4520-B642-8216A746E5B3}"/>
+              </a:ext>
+            </a:extLst>
+          </p:cNvPr>
+          <p:cNvCxnSpPr>
+            <a:cxnSpLocks/>
+            <a:endCxn id="25" idx="2"/>
+          </p:cNvCxnSpPr>
+          <p:nvPr/>
+        </p:nvCxnSpPr>
+        <p:spPr>
+          <a:xfrm>
+            <a:off x="2370338" y="3160112"/>
+            <a:ext cx="1518080" cy="3083490"/>
+          </a:xfrm>
+          <a:prstGeom prst="straightConnector1">
+            <a:avLst/>
+          </a:prstGeom>
+          <a:ln>
+            <a:tailEnd type="triangle"/>
+          </a:ln>
+        </p:spPr>
+        <p:style>
+          <a:lnRef idx="1">
+            <a:schemeClr val="accent1"/>
+          </a:lnRef>
+          <a:fillRef idx="0">
+            <a:schemeClr val="accent1"/>
+          </a:fillRef>
+          <a:effectRef idx="0">
+            <a:schemeClr val="accent1"/>
+          </a:effectRef>
+          <a:fontRef idx="minor">
+            <a:schemeClr val="tx1"/>
+          </a:fontRef>
+        </p:style>
+      </p:cxnSp>
+      <p:sp>
+        <p:nvSpPr>
+          <p:cNvPr id="2" name="Elipse 1">
+            <a:extLst>
+              <a:ext uri="{FF2B5EF4-FFF2-40B4-BE49-F238E27FC236}">
+                <a16:creationId xmlns:a16="http://schemas.microsoft.com/office/drawing/2014/main" id="{3DC00789-61EF-499F-9DAD-B66FA935EAB8}"/>
+              </a:ext>
+            </a:extLst>
+          </p:cNvPr>
+          <p:cNvSpPr/>
+          <p:nvPr/>
+        </p:nvSpPr>
+        <p:spPr>
+          <a:xfrm>
+            <a:off x="3888418" y="0"/>
+            <a:ext cx="1793288" cy="1020901"/>
+          </a:xfrm>
+          <a:prstGeom prst="ellipse">
+            <a:avLst/>
+          </a:prstGeom>
+        </p:spPr>
+        <p:style>
+          <a:lnRef idx="2">
+            <a:schemeClr val="accent1">
+              <a:shade val="50000"/>
+            </a:schemeClr>
+          </a:lnRef>
+          <a:fillRef idx="1">
+            <a:schemeClr val="accent1"/>
+          </a:fillRef>
+          <a:effectRef idx="0">
+            <a:schemeClr val="accent1"/>
+          </a:effectRef>
+          <a:fontRef idx="minor">
+            <a:schemeClr val="lt1"/>
+          </a:fontRef>
+        </p:style>
+        <p:txBody>
+          <a:bodyPr rtlCol="0" anchor="ctr"/>
+          <a:lstStyle/>
+          <a:p>
+            <a:pPr algn="ctr"/>
+            <a:r>
+              <a:rPr lang="es-ES" dirty="0"/>
+              <a:t>Quieto</a:t>
+            </a:r>
+          </a:p>
+        </p:txBody>
+      </p:sp>
+      <p:sp>
+        <p:nvSpPr>
+          <p:cNvPr id="21" name="Elipse 20">
+            <a:extLst>
+              <a:ext uri="{FF2B5EF4-FFF2-40B4-BE49-F238E27FC236}">
+                <a16:creationId xmlns:a16="http://schemas.microsoft.com/office/drawing/2014/main" id="{EE689883-D9B6-47AD-9C0F-44E4E0F4CE84}"/>
+              </a:ext>
+            </a:extLst>
+          </p:cNvPr>
+          <p:cNvSpPr/>
+          <p:nvPr/>
+        </p:nvSpPr>
+        <p:spPr>
+          <a:xfrm>
+            <a:off x="3888418" y="1430044"/>
+            <a:ext cx="1793288" cy="1020901"/>
+          </a:xfrm>
+          <a:prstGeom prst="ellipse">
+            <a:avLst/>
+          </a:prstGeom>
+        </p:spPr>
+        <p:style>
+          <a:lnRef idx="2">
+            <a:schemeClr val="accent1">
+              <a:shade val="50000"/>
+            </a:schemeClr>
+          </a:lnRef>
+          <a:fillRef idx="1">
+            <a:schemeClr val="accent1"/>
+          </a:fillRef>
+          <a:effectRef idx="0">
+            <a:schemeClr val="accent1"/>
+          </a:effectRef>
+          <a:fontRef idx="minor">
+            <a:schemeClr val="lt1"/>
+          </a:fontRef>
+        </p:style>
+        <p:txBody>
+          <a:bodyPr rtlCol="0" anchor="ctr"/>
+          <a:lstStyle/>
+          <a:p>
+            <a:pPr algn="ctr"/>
+            <a:r>
+              <a:rPr lang="es-ES" dirty="0"/>
+              <a:t>Patrullar</a:t>
+            </a:r>
+          </a:p>
+        </p:txBody>
+      </p:sp>
+      <p:sp>
+        <p:nvSpPr>
+          <p:cNvPr id="22" name="Elipse 21">
+            <a:extLst>
+              <a:ext uri="{FF2B5EF4-FFF2-40B4-BE49-F238E27FC236}">
+                <a16:creationId xmlns:a16="http://schemas.microsoft.com/office/drawing/2014/main" id="{9D6D1863-71F5-41A4-A591-66EA38113072}"/>
+              </a:ext>
+            </a:extLst>
+          </p:cNvPr>
+          <p:cNvSpPr/>
+          <p:nvPr/>
+        </p:nvSpPr>
+        <p:spPr>
+          <a:xfrm>
+            <a:off x="3888418" y="2811247"/>
+            <a:ext cx="1793288" cy="1020901"/>
+          </a:xfrm>
+          <a:prstGeom prst="ellipse">
+            <a:avLst/>
+          </a:prstGeom>
+        </p:spPr>
+        <p:style>
+          <a:lnRef idx="2">
+            <a:schemeClr val="accent1">
+              <a:shade val="50000"/>
+            </a:schemeClr>
+          </a:lnRef>
+          <a:fillRef idx="1">
+            <a:schemeClr val="accent1"/>
+          </a:fillRef>
+          <a:effectRef idx="0">
+            <a:schemeClr val="accent1"/>
+          </a:effectRef>
+          <a:fontRef idx="minor">
+            <a:schemeClr val="lt1"/>
+          </a:fontRef>
+        </p:style>
+        <p:txBody>
+          <a:bodyPr rtlCol="0" anchor="ctr"/>
+          <a:lstStyle/>
+          <a:p>
+            <a:pPr algn="ctr"/>
+            <a:r>
+              <a:rPr lang="es-ES" dirty="0"/>
+              <a:t>Perseguir</a:t>
+            </a:r>
+          </a:p>
+        </p:txBody>
+      </p:sp>
+      <p:sp>
+        <p:nvSpPr>
+          <p:cNvPr id="23" name="Elipse 22">
+            <a:extLst>
+              <a:ext uri="{FF2B5EF4-FFF2-40B4-BE49-F238E27FC236}">
+                <a16:creationId xmlns:a16="http://schemas.microsoft.com/office/drawing/2014/main" id="{240793CA-A2B1-427D-AE51-36E29CD99271}"/>
+              </a:ext>
+            </a:extLst>
+          </p:cNvPr>
+          <p:cNvSpPr/>
+          <p:nvPr/>
+        </p:nvSpPr>
+        <p:spPr>
+          <a:xfrm>
+            <a:off x="3888418" y="4317555"/>
+            <a:ext cx="1793288" cy="1020901"/>
+          </a:xfrm>
+          <a:prstGeom prst="ellipse">
+            <a:avLst/>
+          </a:prstGeom>
+        </p:spPr>
+        <p:style>
+          <a:lnRef idx="2">
+            <a:schemeClr val="accent1">
+              <a:shade val="50000"/>
+            </a:schemeClr>
+          </a:lnRef>
+          <a:fillRef idx="1">
+            <a:schemeClr val="accent1"/>
+          </a:fillRef>
+          <a:effectRef idx="0">
+            <a:schemeClr val="accent1"/>
+          </a:effectRef>
+          <a:fontRef idx="minor">
+            <a:schemeClr val="lt1"/>
+          </a:fontRef>
+        </p:style>
+        <p:txBody>
+          <a:bodyPr rtlCol="0" anchor="ctr"/>
+          <a:lstStyle/>
+          <a:p>
+            <a:pPr algn="ctr"/>
+            <a:r>
+              <a:rPr lang="es-ES" dirty="0"/>
+              <a:t>Buscar</a:t>
+            </a:r>
+          </a:p>
+        </p:txBody>
+      </p:sp>
+      <p:sp>
+        <p:nvSpPr>
+          <p:cNvPr id="25" name="Elipse 24">
+            <a:extLst>
+              <a:ext uri="{FF2B5EF4-FFF2-40B4-BE49-F238E27FC236}">
+                <a16:creationId xmlns:a16="http://schemas.microsoft.com/office/drawing/2014/main" id="{389E13F7-86A5-4A48-BFC6-549116D3A6AA}"/>
+              </a:ext>
+            </a:extLst>
+          </p:cNvPr>
+          <p:cNvSpPr/>
+          <p:nvPr/>
+        </p:nvSpPr>
+        <p:spPr>
+          <a:xfrm>
+            <a:off x="3888418" y="5733151"/>
+            <a:ext cx="1793288" cy="1020901"/>
+          </a:xfrm>
+          <a:prstGeom prst="ellipse">
+            <a:avLst/>
+          </a:prstGeom>
+        </p:spPr>
+        <p:style>
+          <a:lnRef idx="2">
+            <a:schemeClr val="accent1">
+              <a:shade val="50000"/>
+            </a:schemeClr>
+          </a:lnRef>
+          <a:fillRef idx="1">
+            <a:schemeClr val="accent1"/>
+          </a:fillRef>
+          <a:effectRef idx="0">
+            <a:schemeClr val="accent1"/>
+          </a:effectRef>
+          <a:fontRef idx="minor">
+            <a:schemeClr val="lt1"/>
+          </a:fontRef>
+        </p:style>
+        <p:txBody>
+          <a:bodyPr rtlCol="0" anchor="ctr"/>
+          <a:lstStyle/>
+          <a:p>
+            <a:pPr algn="ctr"/>
+            <a:r>
+              <a:rPr lang="es-ES" dirty="0"/>
+              <a:t>Atacar</a:t>
+            </a:r>
+          </a:p>
+        </p:txBody>
+      </p:sp>
+      <p:cxnSp>
+        <p:nvCxnSpPr>
+          <p:cNvPr id="13" name="Conector recto de flecha 12">
+            <a:extLst>
+              <a:ext uri="{FF2B5EF4-FFF2-40B4-BE49-F238E27FC236}">
+                <a16:creationId xmlns:a16="http://schemas.microsoft.com/office/drawing/2014/main" id="{B696370A-0B7F-48F4-895B-5284244B85AB}"/>
+              </a:ext>
+            </a:extLst>
+          </p:cNvPr>
+          <p:cNvCxnSpPr>
+            <a:stCxn id="3" idx="3"/>
+            <a:endCxn id="2" idx="2"/>
+          </p:cNvCxnSpPr>
+          <p:nvPr/>
+        </p:nvCxnSpPr>
+        <p:spPr>
+          <a:xfrm flipV="1">
+            <a:off x="2370338" y="510451"/>
+            <a:ext cx="1518080" cy="2638163"/>
+          </a:xfrm>
+          <a:prstGeom prst="straightConnector1">
+            <a:avLst/>
+          </a:prstGeom>
+          <a:ln>
+            <a:tailEnd type="triangle"/>
+          </a:ln>
+        </p:spPr>
+        <p:style>
+          <a:lnRef idx="1">
+            <a:schemeClr val="accent1"/>
+          </a:lnRef>
+          <a:fillRef idx="0">
+            <a:schemeClr val="accent1"/>
+          </a:fillRef>
+          <a:effectRef idx="0">
+            <a:schemeClr val="accent1"/>
+          </a:effectRef>
+          <a:fontRef idx="minor">
+            <a:schemeClr val="tx1"/>
+          </a:fontRef>
+        </p:style>
+      </p:cxnSp>
+      <p:sp>
+        <p:nvSpPr>
+          <p:cNvPr id="31" name="Rectángulo: esquinas redondeadas 30">
+            <a:extLst>
+              <a:ext uri="{FF2B5EF4-FFF2-40B4-BE49-F238E27FC236}">
+                <a16:creationId xmlns:a16="http://schemas.microsoft.com/office/drawing/2014/main" id="{49020BA3-B3DD-4689-AE1B-E776BA57FA95}"/>
+              </a:ext>
+            </a:extLst>
+          </p:cNvPr>
+          <p:cNvSpPr/>
+          <p:nvPr/>
+        </p:nvSpPr>
+        <p:spPr>
+          <a:xfrm>
+            <a:off x="7115448" y="1474723"/>
+            <a:ext cx="1518082" cy="834470"/>
+          </a:xfrm>
+          <a:prstGeom prst="roundRect">
+            <a:avLst/>
+          </a:prstGeom>
+        </p:spPr>
+        <p:style>
+          <a:lnRef idx="2">
+            <a:schemeClr val="accent1">
+              <a:shade val="50000"/>
+            </a:schemeClr>
+          </a:lnRef>
+          <a:fillRef idx="1">
+            <a:schemeClr val="accent1"/>
+          </a:fillRef>
+          <a:effectRef idx="0">
+            <a:schemeClr val="accent1"/>
+          </a:effectRef>
+          <a:fontRef idx="minor">
+            <a:schemeClr val="lt1"/>
+          </a:fontRef>
+        </p:style>
+        <p:txBody>
+          <a:bodyPr rtlCol="0" anchor="ctr"/>
+          <a:lstStyle/>
+          <a:p>
+            <a:pPr algn="ctr"/>
+            <a:r>
+              <a:rPr lang="es-ES" dirty="0"/>
+              <a:t>Buscar punto de ruta</a:t>
+            </a:r>
+          </a:p>
+        </p:txBody>
+      </p:sp>
+      <p:sp>
+        <p:nvSpPr>
+          <p:cNvPr id="32" name="Rectángulo: esquinas redondeadas 31">
+            <a:extLst>
+              <a:ext uri="{FF2B5EF4-FFF2-40B4-BE49-F238E27FC236}">
+                <a16:creationId xmlns:a16="http://schemas.microsoft.com/office/drawing/2014/main" id="{847E183C-FFC3-4007-ACC0-E7D9B106617B}"/>
+              </a:ext>
+            </a:extLst>
+          </p:cNvPr>
+          <p:cNvSpPr/>
+          <p:nvPr/>
+        </p:nvSpPr>
+        <p:spPr>
+          <a:xfrm>
+            <a:off x="7306313" y="2904462"/>
+            <a:ext cx="1518082" cy="834470"/>
+          </a:xfrm>
+          <a:prstGeom prst="roundRect">
+            <a:avLst/>
+          </a:prstGeom>
+        </p:spPr>
+        <p:style>
+          <a:lnRef idx="2">
+            <a:schemeClr val="accent1">
+              <a:shade val="50000"/>
+            </a:schemeClr>
+          </a:lnRef>
+          <a:fillRef idx="1">
+            <a:schemeClr val="accent1"/>
+          </a:fillRef>
+          <a:effectRef idx="0">
+            <a:schemeClr val="accent1"/>
+          </a:effectRef>
+          <a:fontRef idx="minor">
+            <a:schemeClr val="lt1"/>
+          </a:fontRef>
+        </p:style>
+        <p:txBody>
+          <a:bodyPr rtlCol="0" anchor="ctr"/>
+          <a:lstStyle/>
+          <a:p>
+            <a:pPr algn="ctr"/>
+            <a:r>
+              <a:rPr lang="es-ES" dirty="0"/>
+              <a:t>Ir hacia el jugador</a:t>
+            </a:r>
+          </a:p>
+        </p:txBody>
+      </p:sp>
+      <p:sp>
+        <p:nvSpPr>
+          <p:cNvPr id="34" name="Rectángulo: esquinas redondeadas 33">
+            <a:extLst>
+              <a:ext uri="{FF2B5EF4-FFF2-40B4-BE49-F238E27FC236}">
+                <a16:creationId xmlns:a16="http://schemas.microsoft.com/office/drawing/2014/main" id="{E5183FC2-2847-4292-A43A-687FD16155A7}"/>
+              </a:ext>
+            </a:extLst>
+          </p:cNvPr>
+          <p:cNvSpPr/>
+          <p:nvPr/>
+        </p:nvSpPr>
+        <p:spPr>
+          <a:xfrm>
+            <a:off x="7461677" y="4405237"/>
+            <a:ext cx="1518082" cy="834470"/>
+          </a:xfrm>
+          <a:prstGeom prst="roundRect">
+            <a:avLst/>
+          </a:prstGeom>
+        </p:spPr>
+        <p:style>
+          <a:lnRef idx="2">
+            <a:schemeClr val="accent1">
+              <a:shade val="50000"/>
+            </a:schemeClr>
+          </a:lnRef>
+          <a:fillRef idx="1">
+            <a:schemeClr val="accent1"/>
+          </a:fillRef>
+          <a:effectRef idx="0">
+            <a:schemeClr val="accent1"/>
+          </a:effectRef>
+          <a:fontRef idx="minor">
+            <a:schemeClr val="lt1"/>
+          </a:fontRef>
+        </p:style>
+        <p:txBody>
+          <a:bodyPr rtlCol="0" anchor="ctr"/>
+          <a:lstStyle/>
+          <a:p>
+            <a:pPr algn="ctr"/>
+            <a:r>
+              <a:rPr lang="es-ES" dirty="0"/>
+              <a:t>Ir al último punto</a:t>
+            </a:r>
+          </a:p>
+        </p:txBody>
+      </p:sp>
+      <p:sp>
+        <p:nvSpPr>
+          <p:cNvPr id="36" name="Rectángulo: esquinas redondeadas 35">
+            <a:extLst>
+              <a:ext uri="{FF2B5EF4-FFF2-40B4-BE49-F238E27FC236}">
+                <a16:creationId xmlns:a16="http://schemas.microsoft.com/office/drawing/2014/main" id="{4203B9E3-5571-41B4-8ECC-170BB6DA1C59}"/>
+              </a:ext>
+            </a:extLst>
+          </p:cNvPr>
+          <p:cNvSpPr/>
+          <p:nvPr/>
+        </p:nvSpPr>
+        <p:spPr>
+          <a:xfrm>
+            <a:off x="7199786" y="5826366"/>
+            <a:ext cx="1518082" cy="834470"/>
+          </a:xfrm>
+          <a:prstGeom prst="roundRect">
+            <a:avLst/>
+          </a:prstGeom>
+        </p:spPr>
+        <p:style>
+          <a:lnRef idx="2">
+            <a:schemeClr val="accent1">
+              <a:shade val="50000"/>
+            </a:schemeClr>
+          </a:lnRef>
+          <a:fillRef idx="1">
+            <a:schemeClr val="accent1"/>
+          </a:fillRef>
+          <a:effectRef idx="0">
+            <a:schemeClr val="accent1"/>
+          </a:effectRef>
+          <a:fontRef idx="minor">
+            <a:schemeClr val="lt1"/>
+          </a:fontRef>
+        </p:style>
+        <p:txBody>
+          <a:bodyPr rtlCol="0" anchor="ctr"/>
+          <a:lstStyle/>
+          <a:p>
+            <a:pPr algn="ctr"/>
+            <a:r>
+              <a:rPr lang="es-ES" dirty="0"/>
+              <a:t>Modo combate</a:t>
+            </a:r>
+          </a:p>
+        </p:txBody>
+      </p:sp>
+      <p:cxnSp>
+        <p:nvCxnSpPr>
+          <p:cNvPr id="37" name="Conector recto de flecha 36">
+            <a:extLst>
+              <a:ext uri="{FF2B5EF4-FFF2-40B4-BE49-F238E27FC236}">
+                <a16:creationId xmlns:a16="http://schemas.microsoft.com/office/drawing/2014/main" id="{6A003108-C727-440E-9E47-D68934D92E93}"/>
+              </a:ext>
+            </a:extLst>
+          </p:cNvPr>
+          <p:cNvCxnSpPr>
+            <a:stCxn id="21" idx="6"/>
+            <a:endCxn id="31" idx="1"/>
+          </p:cNvCxnSpPr>
+          <p:nvPr/>
+        </p:nvCxnSpPr>
+        <p:spPr>
+          <a:xfrm flipV="1">
+            <a:off x="5681706" y="1891958"/>
+            <a:ext cx="1433742" cy="48537"/>
+          </a:xfrm>
+          <a:prstGeom prst="straightConnector1">
+            <a:avLst/>
+          </a:prstGeom>
+          <a:ln>
+            <a:tailEnd type="triangle"/>
+          </a:ln>
+        </p:spPr>
+        <p:style>
+          <a:lnRef idx="1">
+            <a:schemeClr val="accent1"/>
+          </a:lnRef>
+          <a:fillRef idx="0">
+            <a:schemeClr val="accent1"/>
+          </a:fillRef>
+          <a:effectRef idx="0">
+            <a:schemeClr val="accent1"/>
+          </a:effectRef>
+          <a:fontRef idx="minor">
+            <a:schemeClr val="tx1"/>
+          </a:fontRef>
+        </p:style>
+      </p:cxnSp>
+      <p:cxnSp>
+        <p:nvCxnSpPr>
+          <p:cNvPr id="39" name="Conector recto de flecha 38">
+            <a:extLst>
+              <a:ext uri="{FF2B5EF4-FFF2-40B4-BE49-F238E27FC236}">
+                <a16:creationId xmlns:a16="http://schemas.microsoft.com/office/drawing/2014/main" id="{35E1F6EA-7AA3-461C-8869-44521E94497A}"/>
+              </a:ext>
+            </a:extLst>
+          </p:cNvPr>
+          <p:cNvCxnSpPr>
+            <a:stCxn id="22" idx="6"/>
+            <a:endCxn id="32" idx="1"/>
+          </p:cNvCxnSpPr>
+          <p:nvPr/>
+        </p:nvCxnSpPr>
+        <p:spPr>
+          <a:xfrm flipV="1">
+            <a:off x="5681706" y="3321697"/>
+            <a:ext cx="1624607" cy="1"/>
+          </a:xfrm>
+          <a:prstGeom prst="straightConnector1">
+            <a:avLst/>
+          </a:prstGeom>
+          <a:ln>
+            <a:tailEnd type="triangle"/>
+          </a:ln>
+        </p:spPr>
+        <p:style>
+          <a:lnRef idx="1">
+            <a:schemeClr val="accent1"/>
+          </a:lnRef>
+          <a:fillRef idx="0">
+            <a:schemeClr val="accent1"/>
+          </a:fillRef>
+          <a:effectRef idx="0">
+            <a:schemeClr val="accent1"/>
+          </a:effectRef>
+          <a:fontRef idx="minor">
+            <a:schemeClr val="tx1"/>
+          </a:fontRef>
+        </p:style>
+      </p:cxnSp>
+      <p:cxnSp>
+        <p:nvCxnSpPr>
+          <p:cNvPr id="41" name="Conector recto de flecha 40">
+            <a:extLst>
+              <a:ext uri="{FF2B5EF4-FFF2-40B4-BE49-F238E27FC236}">
+                <a16:creationId xmlns:a16="http://schemas.microsoft.com/office/drawing/2014/main" id="{A62076D6-A95F-4E89-A36A-D2AB8213B690}"/>
+              </a:ext>
+            </a:extLst>
+          </p:cNvPr>
+          <p:cNvCxnSpPr>
+            <a:stCxn id="23" idx="6"/>
+            <a:endCxn id="34" idx="1"/>
+          </p:cNvCxnSpPr>
+          <p:nvPr/>
+        </p:nvCxnSpPr>
+        <p:spPr>
+          <a:xfrm flipV="1">
+            <a:off x="5681706" y="4822472"/>
+            <a:ext cx="1779971" cy="5534"/>
+          </a:xfrm>
+          <a:prstGeom prst="straightConnector1">
+            <a:avLst/>
+          </a:prstGeom>
+          <a:ln>
+            <a:tailEnd type="triangle"/>
+          </a:ln>
+        </p:spPr>
+        <p:style>
+          <a:lnRef idx="1">
+            <a:schemeClr val="accent1"/>
+          </a:lnRef>
+          <a:fillRef idx="0">
+            <a:schemeClr val="accent1"/>
+          </a:fillRef>
+          <a:effectRef idx="0">
+            <a:schemeClr val="accent1"/>
+          </a:effectRef>
+          <a:fontRef idx="minor">
+            <a:schemeClr val="tx1"/>
+          </a:fontRef>
+        </p:style>
+      </p:cxnSp>
+      <p:cxnSp>
+        <p:nvCxnSpPr>
+          <p:cNvPr id="43" name="Conector recto de flecha 42">
+            <a:extLst>
+              <a:ext uri="{FF2B5EF4-FFF2-40B4-BE49-F238E27FC236}">
+                <a16:creationId xmlns:a16="http://schemas.microsoft.com/office/drawing/2014/main" id="{DE695E67-E10A-4E76-A595-B8C2F11647B3}"/>
+              </a:ext>
+            </a:extLst>
+          </p:cNvPr>
+          <p:cNvCxnSpPr>
+            <a:stCxn id="25" idx="6"/>
+            <a:endCxn id="36" idx="1"/>
+          </p:cNvCxnSpPr>
+          <p:nvPr/>
+        </p:nvCxnSpPr>
+        <p:spPr>
+          <a:xfrm flipV="1">
+            <a:off x="5681706" y="6243601"/>
+            <a:ext cx="1518080" cy="1"/>
+          </a:xfrm>
+          <a:prstGeom prst="straightConnector1">
+            <a:avLst/>
+          </a:prstGeom>
+          <a:ln>
+            <a:tailEnd type="triangle"/>
+          </a:ln>
+        </p:spPr>
+        <p:style>
+          <a:lnRef idx="1">
+            <a:schemeClr val="accent1"/>
+          </a:lnRef>
+          <a:fillRef idx="0">
+            <a:schemeClr val="accent1"/>
+          </a:fillRef>
+          <a:effectRef idx="0">
+            <a:schemeClr val="accent1"/>
+          </a:effectRef>
+          <a:fontRef idx="minor">
+            <a:schemeClr val="tx1"/>
+          </a:fontRef>
+        </p:style>
+      </p:cxnSp>
+      <p:sp>
+        <p:nvSpPr>
+          <p:cNvPr id="55" name="Rectángulo: esquinas redondeadas 54">
+            <a:extLst>
+              <a:ext uri="{FF2B5EF4-FFF2-40B4-BE49-F238E27FC236}">
+                <a16:creationId xmlns:a16="http://schemas.microsoft.com/office/drawing/2014/main" id="{45133628-6D9B-4077-A55B-5C61F2E1FD23}"/>
+              </a:ext>
+            </a:extLst>
+          </p:cNvPr>
+          <p:cNvSpPr/>
+          <p:nvPr/>
+        </p:nvSpPr>
+        <p:spPr>
+          <a:xfrm>
+            <a:off x="9505021" y="1430044"/>
+            <a:ext cx="1518082" cy="834470"/>
+          </a:xfrm>
+          <a:prstGeom prst="roundRect">
+            <a:avLst/>
+          </a:prstGeom>
+        </p:spPr>
+        <p:style>
+          <a:lnRef idx="2">
+            <a:schemeClr val="accent1">
+              <a:shade val="50000"/>
+            </a:schemeClr>
+          </a:lnRef>
+          <a:fillRef idx="1">
+            <a:schemeClr val="accent1"/>
+          </a:fillRef>
+          <a:effectRef idx="0">
+            <a:schemeClr val="accent1"/>
+          </a:effectRef>
+          <a:fontRef idx="minor">
+            <a:schemeClr val="lt1"/>
+          </a:fontRef>
+        </p:style>
+        <p:txBody>
+          <a:bodyPr rtlCol="0" anchor="ctr"/>
+          <a:lstStyle/>
+          <a:p>
+            <a:pPr algn="ctr"/>
+            <a:r>
+              <a:rPr lang="es-ES" dirty="0"/>
+              <a:t>Ir al punto de ruta</a:t>
+            </a:r>
+          </a:p>
+        </p:txBody>
+      </p:sp>
+      <p:cxnSp>
+        <p:nvCxnSpPr>
+          <p:cNvPr id="57" name="Conector recto de flecha 56">
+            <a:extLst>
+              <a:ext uri="{FF2B5EF4-FFF2-40B4-BE49-F238E27FC236}">
+                <a16:creationId xmlns:a16="http://schemas.microsoft.com/office/drawing/2014/main" id="{F789C19C-3263-4B4F-9EC6-08416D79C0A0}"/>
+              </a:ext>
+            </a:extLst>
+          </p:cNvPr>
+          <p:cNvCxnSpPr>
+            <a:stCxn id="31" idx="3"/>
+            <a:endCxn id="55" idx="1"/>
+          </p:cNvCxnSpPr>
+          <p:nvPr/>
+        </p:nvCxnSpPr>
+        <p:spPr>
+          <a:xfrm flipV="1">
+            <a:off x="8633530" y="1847279"/>
+            <a:ext cx="871491" cy="44679"/>
+          </a:xfrm>
+          <a:prstGeom prst="straightConnector1">
+            <a:avLst/>
+          </a:prstGeom>
+          <a:ln>
+            <a:tailEnd type="triangle"/>
+          </a:ln>
+        </p:spPr>
+        <p:style>
+          <a:lnRef idx="1">
+            <a:schemeClr val="accent1"/>
+          </a:lnRef>
+          <a:fillRef idx="0">
+            <a:schemeClr val="accent1"/>
+          </a:fillRef>
+          <a:effectRef idx="0">
+            <a:schemeClr val="accent1"/>
+          </a:effectRef>
+          <a:fontRef idx="minor">
+            <a:schemeClr val="tx1"/>
+          </a:fontRef>
+        </p:style>
+      </p:cxnSp>
+      <p:sp>
+        <p:nvSpPr>
+          <p:cNvPr id="58" name="CuadroTexto 57">
+            <a:extLst>
+              <a:ext uri="{FF2B5EF4-FFF2-40B4-BE49-F238E27FC236}">
+                <a16:creationId xmlns:a16="http://schemas.microsoft.com/office/drawing/2014/main" id="{7AE199E7-ADAF-4315-B3B8-37962ECFE3A9}"/>
+              </a:ext>
+            </a:extLst>
+          </p:cNvPr>
+          <p:cNvSpPr txBox="1"/>
+          <p:nvPr/>
+        </p:nvSpPr>
+        <p:spPr>
+          <a:xfrm>
+            <a:off x="5681706" y="2811248"/>
+            <a:ext cx="1518080" cy="369332"/>
+          </a:xfrm>
+          <a:prstGeom prst="rect">
+            <a:avLst/>
+          </a:prstGeom>
+          <a:noFill/>
+        </p:spPr>
+        <p:txBody>
+          <a:bodyPr wrap="square" rtlCol="0">
+            <a:spAutoFit/>
+          </a:bodyPr>
+          <a:lstStyle/>
+          <a:p>
+            <a:r>
+              <a:rPr lang="es-ES" dirty="0"/>
+              <a:t>Jugador visto</a:t>
+            </a:r>
+          </a:p>
+        </p:txBody>
+      </p:sp>
+      <p:sp>
+        <p:nvSpPr>
+          <p:cNvPr id="60" name="CuadroTexto 59">
+            <a:extLst>
+              <a:ext uri="{FF2B5EF4-FFF2-40B4-BE49-F238E27FC236}">
+                <a16:creationId xmlns:a16="http://schemas.microsoft.com/office/drawing/2014/main" id="{7E6C8D03-ECC5-4D7D-957F-F80CE933751B}"/>
+              </a:ext>
+            </a:extLst>
+          </p:cNvPr>
+          <p:cNvSpPr txBox="1"/>
+          <p:nvPr/>
+        </p:nvSpPr>
+        <p:spPr>
+          <a:xfrm>
+            <a:off x="5597367" y="4355279"/>
+            <a:ext cx="1779971" cy="382013"/>
+          </a:xfrm>
+          <a:prstGeom prst="rect">
+            <a:avLst/>
+          </a:prstGeom>
+          <a:noFill/>
+        </p:spPr>
+        <p:txBody>
+          <a:bodyPr wrap="square" rtlCol="0">
+            <a:spAutoFit/>
+          </a:bodyPr>
+          <a:lstStyle/>
+          <a:p>
+            <a:r>
+              <a:rPr lang="es-ES" dirty="0"/>
+              <a:t>Jugador perdido</a:t>
+            </a:r>
+          </a:p>
+        </p:txBody>
+      </p:sp>
+      <p:sp>
+        <p:nvSpPr>
+          <p:cNvPr id="62" name="CuadroTexto 61">
+            <a:extLst>
+              <a:ext uri="{FF2B5EF4-FFF2-40B4-BE49-F238E27FC236}">
+                <a16:creationId xmlns:a16="http://schemas.microsoft.com/office/drawing/2014/main" id="{21E8FCB5-D7A1-48D6-AF44-0C18F16ACFE2}"/>
+              </a:ext>
+            </a:extLst>
+          </p:cNvPr>
+          <p:cNvSpPr txBox="1"/>
+          <p:nvPr/>
+        </p:nvSpPr>
+        <p:spPr>
+          <a:xfrm>
+            <a:off x="5639537" y="5676921"/>
+            <a:ext cx="1518080" cy="369332"/>
+          </a:xfrm>
+          <a:prstGeom prst="rect">
+            <a:avLst/>
+          </a:prstGeom>
+          <a:noFill/>
+        </p:spPr>
+        <p:txBody>
+          <a:bodyPr wrap="square" rtlCol="0">
+            <a:spAutoFit/>
+          </a:bodyPr>
+          <a:lstStyle/>
+          <a:p>
+            <a:r>
+              <a:rPr lang="es-ES" dirty="0"/>
+              <a:t>Jugador cerca</a:t>
+            </a:r>
+          </a:p>
+        </p:txBody>
+      </p:sp>
+      <p:sp>
+        <p:nvSpPr>
+          <p:cNvPr id="63" name="Rectángulo: esquinas redondeadas 62">
+            <a:extLst>
+              <a:ext uri="{FF2B5EF4-FFF2-40B4-BE49-F238E27FC236}">
+                <a16:creationId xmlns:a16="http://schemas.microsoft.com/office/drawing/2014/main" id="{9A461647-0D53-4437-9C20-82C80012D3ED}"/>
+              </a:ext>
+            </a:extLst>
+          </p:cNvPr>
+          <p:cNvSpPr/>
+          <p:nvPr/>
+        </p:nvSpPr>
+        <p:spPr>
+          <a:xfrm>
+            <a:off x="10525943" y="5826366"/>
+            <a:ext cx="1518082" cy="834470"/>
+          </a:xfrm>
+          <a:prstGeom prst="roundRect">
+            <a:avLst/>
+          </a:prstGeom>
+        </p:spPr>
+        <p:style>
+          <a:lnRef idx="2">
+            <a:schemeClr val="accent1">
+              <a:shade val="50000"/>
+            </a:schemeClr>
+          </a:lnRef>
+          <a:fillRef idx="1">
+            <a:schemeClr val="accent1"/>
+          </a:fillRef>
+          <a:effectRef idx="0">
+            <a:schemeClr val="accent1"/>
+          </a:effectRef>
+          <a:fontRef idx="minor">
+            <a:schemeClr val="lt1"/>
+          </a:fontRef>
+        </p:style>
+        <p:txBody>
+          <a:bodyPr rtlCol="0" anchor="ctr"/>
+          <a:lstStyle/>
+          <a:p>
+            <a:pPr algn="ctr"/>
+            <a:r>
+              <a:rPr lang="es-ES" dirty="0"/>
+              <a:t>Atacar</a:t>
+            </a:r>
+          </a:p>
+        </p:txBody>
+      </p:sp>
+      <p:cxnSp>
+        <p:nvCxnSpPr>
+          <p:cNvPr id="65" name="Conector recto de flecha 64">
+            <a:extLst>
+              <a:ext uri="{FF2B5EF4-FFF2-40B4-BE49-F238E27FC236}">
+                <a16:creationId xmlns:a16="http://schemas.microsoft.com/office/drawing/2014/main" id="{89C06588-796D-4A5B-BA8D-0E4B92FA222E}"/>
+              </a:ext>
+            </a:extLst>
+          </p:cNvPr>
+          <p:cNvCxnSpPr>
+            <a:stCxn id="36" idx="3"/>
+            <a:endCxn id="63" idx="1"/>
+          </p:cNvCxnSpPr>
+          <p:nvPr/>
+        </p:nvCxnSpPr>
+        <p:spPr>
+          <a:xfrm>
+            <a:off x="8717868" y="6243601"/>
+            <a:ext cx="1808075" cy="0"/>
+          </a:xfrm>
+          <a:prstGeom prst="straightConnector1">
+            <a:avLst/>
+          </a:prstGeom>
+          <a:ln>
+            <a:tailEnd type="triangle"/>
+          </a:ln>
+        </p:spPr>
+        <p:style>
+          <a:lnRef idx="1">
+            <a:schemeClr val="accent1"/>
+          </a:lnRef>
+          <a:fillRef idx="0">
+            <a:schemeClr val="accent1"/>
+          </a:fillRef>
+          <a:effectRef idx="0">
+            <a:schemeClr val="accent1"/>
+          </a:effectRef>
+          <a:fontRef idx="minor">
+            <a:schemeClr val="tx1"/>
+          </a:fontRef>
+        </p:style>
+      </p:cxnSp>
+      <p:sp>
+        <p:nvSpPr>
+          <p:cNvPr id="67" name="CuadroTexto 66">
+            <a:extLst>
+              <a:ext uri="{FF2B5EF4-FFF2-40B4-BE49-F238E27FC236}">
+                <a16:creationId xmlns:a16="http://schemas.microsoft.com/office/drawing/2014/main" id="{B4D0A3CF-5CE9-4149-B450-1818DC2C9198}"/>
+              </a:ext>
+            </a:extLst>
+          </p:cNvPr>
+          <p:cNvSpPr txBox="1"/>
+          <p:nvPr/>
+        </p:nvSpPr>
+        <p:spPr>
+          <a:xfrm>
+            <a:off x="8824395" y="5376581"/>
+            <a:ext cx="1518081" cy="646331"/>
+          </a:xfrm>
+          <a:prstGeom prst="rect">
+            <a:avLst/>
+          </a:prstGeom>
+          <a:noFill/>
+        </p:spPr>
+        <p:txBody>
+          <a:bodyPr wrap="square" rtlCol="0">
+            <a:spAutoFit/>
+          </a:bodyPr>
+          <a:lstStyle/>
+          <a:p>
+            <a:r>
+              <a:rPr lang="es-ES" dirty="0"/>
+              <a:t>Jugador en rango</a:t>
+            </a:r>
+          </a:p>
+        </p:txBody>
+      </p:sp>
+    </p:spTree>
+    <p:extLst>
+      <p:ext uri="{BB962C8B-B14F-4D97-AF65-F5344CB8AC3E}">
+        <p14:creationId xmlns:p14="http://schemas.microsoft.com/office/powerpoint/2010/main" val="1537144964"/>
+      </p:ext>
+    </p:extLst>
+  </p:cSld>
+  <p:clrMapOvr>
+    <a:masterClrMapping/>
+  </p:clrMapOvr>
+</p:sld>
+</file>
+
 <file path=ppt/theme/theme1.xml><?xml version="1.0" encoding="utf-8"?>
 <a:theme xmlns:a="http://schemas.openxmlformats.org/drawingml/2006/main" name="Tema de Office">
   <a:themeElements>

--- a/DOCUMENTOS/pruebas.pptx
+++ b/DOCUMENTOS/pruebas.pptx
@@ -11,6 +11,9 @@
     <p:sldId id="259" r:id="rId5"/>
     <p:sldId id="260" r:id="rId6"/>
     <p:sldId id="261" r:id="rId7"/>
+    <p:sldId id="262" r:id="rId8"/>
+    <p:sldId id="263" r:id="rId9"/>
+    <p:sldId id="264" r:id="rId10"/>
   </p:sldIdLst>
   <p:sldSz cx="12192000" cy="6858000"/>
   <p:notesSz cx="6858000" cy="9144000"/>
@@ -264,7 +267,7 @@
           <a:p>
             <a:fld id="{EDAEA687-FD54-4C1E-B5BE-4D2DA1082E4F}" type="datetimeFigureOut">
               <a:rPr lang="es-ES" smtClean="0"/>
-              <a:t>17/05/2018</a:t>
+              <a:t>18/05/2018</a:t>
             </a:fld>
             <a:endParaRPr lang="es-ES"/>
           </a:p>
@@ -462,7 +465,7 @@
           <a:p>
             <a:fld id="{EDAEA687-FD54-4C1E-B5BE-4D2DA1082E4F}" type="datetimeFigureOut">
               <a:rPr lang="es-ES" smtClean="0"/>
-              <a:t>17/05/2018</a:t>
+              <a:t>18/05/2018</a:t>
             </a:fld>
             <a:endParaRPr lang="es-ES"/>
           </a:p>
@@ -670,7 +673,7 @@
           <a:p>
             <a:fld id="{EDAEA687-FD54-4C1E-B5BE-4D2DA1082E4F}" type="datetimeFigureOut">
               <a:rPr lang="es-ES" smtClean="0"/>
-              <a:t>17/05/2018</a:t>
+              <a:t>18/05/2018</a:t>
             </a:fld>
             <a:endParaRPr lang="es-ES"/>
           </a:p>
@@ -868,7 +871,7 @@
           <a:p>
             <a:fld id="{EDAEA687-FD54-4C1E-B5BE-4D2DA1082E4F}" type="datetimeFigureOut">
               <a:rPr lang="es-ES" smtClean="0"/>
-              <a:t>17/05/2018</a:t>
+              <a:t>18/05/2018</a:t>
             </a:fld>
             <a:endParaRPr lang="es-ES"/>
           </a:p>
@@ -1143,7 +1146,7 @@
           <a:p>
             <a:fld id="{EDAEA687-FD54-4C1E-B5BE-4D2DA1082E4F}" type="datetimeFigureOut">
               <a:rPr lang="es-ES" smtClean="0"/>
-              <a:t>17/05/2018</a:t>
+              <a:t>18/05/2018</a:t>
             </a:fld>
             <a:endParaRPr lang="es-ES"/>
           </a:p>
@@ -1408,7 +1411,7 @@
           <a:p>
             <a:fld id="{EDAEA687-FD54-4C1E-B5BE-4D2DA1082E4F}" type="datetimeFigureOut">
               <a:rPr lang="es-ES" smtClean="0"/>
-              <a:t>17/05/2018</a:t>
+              <a:t>18/05/2018</a:t>
             </a:fld>
             <a:endParaRPr lang="es-ES"/>
           </a:p>
@@ -1820,7 +1823,7 @@
           <a:p>
             <a:fld id="{EDAEA687-FD54-4C1E-B5BE-4D2DA1082E4F}" type="datetimeFigureOut">
               <a:rPr lang="es-ES" smtClean="0"/>
-              <a:t>17/05/2018</a:t>
+              <a:t>18/05/2018</a:t>
             </a:fld>
             <a:endParaRPr lang="es-ES"/>
           </a:p>
@@ -1961,7 +1964,7 @@
           <a:p>
             <a:fld id="{EDAEA687-FD54-4C1E-B5BE-4D2DA1082E4F}" type="datetimeFigureOut">
               <a:rPr lang="es-ES" smtClean="0"/>
-              <a:t>17/05/2018</a:t>
+              <a:t>18/05/2018</a:t>
             </a:fld>
             <a:endParaRPr lang="es-ES"/>
           </a:p>
@@ -2074,7 +2077,7 @@
           <a:p>
             <a:fld id="{EDAEA687-FD54-4C1E-B5BE-4D2DA1082E4F}" type="datetimeFigureOut">
               <a:rPr lang="es-ES" smtClean="0"/>
-              <a:t>17/05/2018</a:t>
+              <a:t>18/05/2018</a:t>
             </a:fld>
             <a:endParaRPr lang="es-ES"/>
           </a:p>
@@ -2385,7 +2388,7 @@
           <a:p>
             <a:fld id="{EDAEA687-FD54-4C1E-B5BE-4D2DA1082E4F}" type="datetimeFigureOut">
               <a:rPr lang="es-ES" smtClean="0"/>
-              <a:t>17/05/2018</a:t>
+              <a:t>18/05/2018</a:t>
             </a:fld>
             <a:endParaRPr lang="es-ES"/>
           </a:p>
@@ -2673,7 +2676,7 @@
           <a:p>
             <a:fld id="{EDAEA687-FD54-4C1E-B5BE-4D2DA1082E4F}" type="datetimeFigureOut">
               <a:rPr lang="es-ES" smtClean="0"/>
-              <a:t>17/05/2018</a:t>
+              <a:t>18/05/2018</a:t>
             </a:fld>
             <a:endParaRPr lang="es-ES"/>
           </a:p>
@@ -2914,7 +2917,7 @@
           <a:p>
             <a:fld id="{EDAEA687-FD54-4C1E-B5BE-4D2DA1082E4F}" type="datetimeFigureOut">
               <a:rPr lang="es-ES" smtClean="0"/>
-              <a:t>17/05/2018</a:t>
+              <a:t>18/05/2018</a:t>
             </a:fld>
             <a:endParaRPr lang="es-ES"/>
           </a:p>
@@ -7976,6 +7979,2681 @@
 </p:sld>
 </file>
 
+<file path=ppt/slides/slide7.xml><?xml version="1.0" encoding="utf-8"?>
+<p:sld xmlns:a="http://schemas.openxmlformats.org/drawingml/2006/main" xmlns:r="http://schemas.openxmlformats.org/officeDocument/2006/relationships" xmlns:p="http://schemas.openxmlformats.org/presentationml/2006/main">
+  <p:cSld>
+    <p:bg>
+      <p:bgPr>
+        <a:gradFill>
+          <a:gsLst>
+            <a:gs pos="0">
+              <a:schemeClr val="bg2">
+                <a:tint val="96000"/>
+                <a:shade val="100000"/>
+                <a:hueMod val="270000"/>
+                <a:satMod val="200000"/>
+                <a:lumMod val="128000"/>
+              </a:schemeClr>
+            </a:gs>
+            <a:gs pos="50000">
+              <a:schemeClr val="bg2">
+                <a:shade val="100000"/>
+                <a:hueMod val="100000"/>
+                <a:satMod val="110000"/>
+                <a:lumMod val="130000"/>
+              </a:schemeClr>
+            </a:gs>
+            <a:gs pos="100000">
+              <a:schemeClr val="bg2">
+                <a:shade val="78000"/>
+                <a:hueMod val="44000"/>
+                <a:satMod val="200000"/>
+                <a:lumMod val="69000"/>
+              </a:schemeClr>
+            </a:gs>
+          </a:gsLst>
+          <a:lin ang="2520000" scaled="0"/>
+        </a:gradFill>
+        <a:effectLst/>
+      </p:bgPr>
+    </p:bg>
+    <p:spTree>
+      <p:nvGrpSpPr>
+        <p:cNvPr id="1" name=""/>
+        <p:cNvGrpSpPr/>
+        <p:nvPr/>
+      </p:nvGrpSpPr>
+      <p:grpSpPr>
+        <a:xfrm>
+          <a:off x="0" y="0"/>
+          <a:ext cx="0" cy="0"/>
+          <a:chOff x="0" y="0"/>
+          <a:chExt cx="0" cy="0"/>
+        </a:xfrm>
+      </p:grpSpPr>
+      <p:sp>
+        <p:nvSpPr>
+          <p:cNvPr id="3" name="Rectángulo 2">
+            <a:extLst>
+              <a:ext uri="{FF2B5EF4-FFF2-40B4-BE49-F238E27FC236}">
+                <a16:creationId xmlns:a16="http://schemas.microsoft.com/office/drawing/2014/main" id="{011DA267-8E11-4F22-937A-CF80E974C997}"/>
+              </a:ext>
+            </a:extLst>
+          </p:cNvPr>
+          <p:cNvSpPr/>
+          <p:nvPr/>
+        </p:nvSpPr>
+        <p:spPr>
+          <a:xfrm>
+            <a:off x="266330" y="2691414"/>
+            <a:ext cx="2104008" cy="914400"/>
+          </a:xfrm>
+          <a:prstGeom prst="rect">
+            <a:avLst/>
+          </a:prstGeom>
+        </p:spPr>
+        <p:style>
+          <a:lnRef idx="2">
+            <a:schemeClr val="accent1">
+              <a:shade val="50000"/>
+            </a:schemeClr>
+          </a:lnRef>
+          <a:fillRef idx="1">
+            <a:schemeClr val="accent1"/>
+          </a:fillRef>
+          <a:effectRef idx="0">
+            <a:schemeClr val="accent1"/>
+          </a:effectRef>
+          <a:fontRef idx="minor">
+            <a:schemeClr val="lt1"/>
+          </a:fontRef>
+        </p:style>
+        <p:txBody>
+          <a:bodyPr rtlCol="0" anchor="ctr"/>
+          <a:lstStyle/>
+          <a:p>
+            <a:pPr algn="ctr"/>
+            <a:r>
+              <a:rPr lang="es-ES" dirty="0"/>
+              <a:t>Evento de ataque</a:t>
+            </a:r>
+          </a:p>
+        </p:txBody>
+      </p:sp>
+      <p:sp>
+        <p:nvSpPr>
+          <p:cNvPr id="2" name="Rectángulo: esquinas redondeadas 1">
+            <a:extLst>
+              <a:ext uri="{FF2B5EF4-FFF2-40B4-BE49-F238E27FC236}">
+                <a16:creationId xmlns:a16="http://schemas.microsoft.com/office/drawing/2014/main" id="{717694C8-8844-4716-97F8-F080DF2DA8DA}"/>
+              </a:ext>
+            </a:extLst>
+          </p:cNvPr>
+          <p:cNvSpPr/>
+          <p:nvPr/>
+        </p:nvSpPr>
+        <p:spPr>
+          <a:xfrm>
+            <a:off x="3497803" y="372862"/>
+            <a:ext cx="1961965" cy="852257"/>
+          </a:xfrm>
+          <a:prstGeom prst="roundRect">
+            <a:avLst/>
+          </a:prstGeom>
+        </p:spPr>
+        <p:style>
+          <a:lnRef idx="2">
+            <a:schemeClr val="accent1">
+              <a:shade val="50000"/>
+            </a:schemeClr>
+          </a:lnRef>
+          <a:fillRef idx="1">
+            <a:schemeClr val="accent1"/>
+          </a:fillRef>
+          <a:effectRef idx="0">
+            <a:schemeClr val="accent1"/>
+          </a:effectRef>
+          <a:fontRef idx="minor">
+            <a:schemeClr val="lt1"/>
+          </a:fontRef>
+        </p:style>
+        <p:txBody>
+          <a:bodyPr rtlCol="0" anchor="ctr"/>
+          <a:lstStyle/>
+          <a:p>
+            <a:pPr algn="ctr"/>
+            <a:r>
+              <a:rPr lang="es-ES" dirty="0"/>
+              <a:t>Ataque débil</a:t>
+            </a:r>
+          </a:p>
+        </p:txBody>
+      </p:sp>
+      <p:sp>
+        <p:nvSpPr>
+          <p:cNvPr id="21" name="Rectángulo: esquinas redondeadas 20">
+            <a:extLst>
+              <a:ext uri="{FF2B5EF4-FFF2-40B4-BE49-F238E27FC236}">
+                <a16:creationId xmlns:a16="http://schemas.microsoft.com/office/drawing/2014/main" id="{AE1CB4CD-0C7D-44D0-9749-58368D160546}"/>
+              </a:ext>
+            </a:extLst>
+          </p:cNvPr>
+          <p:cNvSpPr/>
+          <p:nvPr/>
+        </p:nvSpPr>
+        <p:spPr>
+          <a:xfrm>
+            <a:off x="3400147" y="5283693"/>
+            <a:ext cx="1961965" cy="852257"/>
+          </a:xfrm>
+          <a:prstGeom prst="roundRect">
+            <a:avLst/>
+          </a:prstGeom>
+        </p:spPr>
+        <p:style>
+          <a:lnRef idx="2">
+            <a:schemeClr val="accent1">
+              <a:shade val="50000"/>
+            </a:schemeClr>
+          </a:lnRef>
+          <a:fillRef idx="1">
+            <a:schemeClr val="accent1"/>
+          </a:fillRef>
+          <a:effectRef idx="0">
+            <a:schemeClr val="accent1"/>
+          </a:effectRef>
+          <a:fontRef idx="minor">
+            <a:schemeClr val="lt1"/>
+          </a:fontRef>
+        </p:style>
+        <p:txBody>
+          <a:bodyPr rtlCol="0" anchor="ctr"/>
+          <a:lstStyle/>
+          <a:p>
+            <a:pPr algn="ctr"/>
+            <a:r>
+              <a:rPr lang="es-ES" dirty="0"/>
+              <a:t>Ataque fuerte</a:t>
+            </a:r>
+          </a:p>
+        </p:txBody>
+      </p:sp>
+      <p:cxnSp>
+        <p:nvCxnSpPr>
+          <p:cNvPr id="10" name="Conector recto de flecha 9">
+            <a:extLst>
+              <a:ext uri="{FF2B5EF4-FFF2-40B4-BE49-F238E27FC236}">
+                <a16:creationId xmlns:a16="http://schemas.microsoft.com/office/drawing/2014/main" id="{E919E6B9-D681-440C-A6E2-766F674776B6}"/>
+              </a:ext>
+            </a:extLst>
+          </p:cNvPr>
+          <p:cNvCxnSpPr>
+            <a:stCxn id="3" idx="3"/>
+            <a:endCxn id="2" idx="1"/>
+          </p:cNvCxnSpPr>
+          <p:nvPr/>
+        </p:nvCxnSpPr>
+        <p:spPr>
+          <a:xfrm flipV="1">
+            <a:off x="2370338" y="798991"/>
+            <a:ext cx="1127465" cy="2349623"/>
+          </a:xfrm>
+          <a:prstGeom prst="straightConnector1">
+            <a:avLst/>
+          </a:prstGeom>
+          <a:ln>
+            <a:tailEnd type="triangle"/>
+          </a:ln>
+        </p:spPr>
+        <p:style>
+          <a:lnRef idx="1">
+            <a:schemeClr val="accent1"/>
+          </a:lnRef>
+          <a:fillRef idx="0">
+            <a:schemeClr val="accent1"/>
+          </a:fillRef>
+          <a:effectRef idx="0">
+            <a:schemeClr val="accent1"/>
+          </a:effectRef>
+          <a:fontRef idx="minor">
+            <a:schemeClr val="tx1"/>
+          </a:fontRef>
+        </p:style>
+      </p:cxnSp>
+      <p:cxnSp>
+        <p:nvCxnSpPr>
+          <p:cNvPr id="13" name="Conector recto de flecha 12">
+            <a:extLst>
+              <a:ext uri="{FF2B5EF4-FFF2-40B4-BE49-F238E27FC236}">
+                <a16:creationId xmlns:a16="http://schemas.microsoft.com/office/drawing/2014/main" id="{66143A30-ABD1-4C5C-8884-8E3FE828A9FC}"/>
+              </a:ext>
+            </a:extLst>
+          </p:cNvPr>
+          <p:cNvCxnSpPr>
+            <a:stCxn id="3" idx="3"/>
+            <a:endCxn id="21" idx="1"/>
+          </p:cNvCxnSpPr>
+          <p:nvPr/>
+        </p:nvCxnSpPr>
+        <p:spPr>
+          <a:xfrm>
+            <a:off x="2370338" y="3148614"/>
+            <a:ext cx="1029809" cy="2561208"/>
+          </a:xfrm>
+          <a:prstGeom prst="straightConnector1">
+            <a:avLst/>
+          </a:prstGeom>
+          <a:ln>
+            <a:tailEnd type="triangle"/>
+          </a:ln>
+        </p:spPr>
+        <p:style>
+          <a:lnRef idx="1">
+            <a:schemeClr val="accent1"/>
+          </a:lnRef>
+          <a:fillRef idx="0">
+            <a:schemeClr val="accent1"/>
+          </a:fillRef>
+          <a:effectRef idx="0">
+            <a:schemeClr val="accent1"/>
+          </a:effectRef>
+          <a:fontRef idx="minor">
+            <a:schemeClr val="tx1"/>
+          </a:fontRef>
+        </p:style>
+      </p:cxnSp>
+      <p:sp>
+        <p:nvSpPr>
+          <p:cNvPr id="23" name="Elipse 22">
+            <a:extLst>
+              <a:ext uri="{FF2B5EF4-FFF2-40B4-BE49-F238E27FC236}">
+                <a16:creationId xmlns:a16="http://schemas.microsoft.com/office/drawing/2014/main" id="{64D05E7F-A696-4FD3-9449-C853BBBD1D5F}"/>
+              </a:ext>
+            </a:extLst>
+          </p:cNvPr>
+          <p:cNvSpPr/>
+          <p:nvPr/>
+        </p:nvSpPr>
+        <p:spPr>
+          <a:xfrm>
+            <a:off x="10688714" y="2722485"/>
+            <a:ext cx="1313896" cy="852257"/>
+          </a:xfrm>
+          <a:prstGeom prst="ellipse">
+            <a:avLst/>
+          </a:prstGeom>
+        </p:spPr>
+        <p:style>
+          <a:lnRef idx="2">
+            <a:schemeClr val="accent1">
+              <a:shade val="50000"/>
+            </a:schemeClr>
+          </a:lnRef>
+          <a:fillRef idx="1">
+            <a:schemeClr val="accent1"/>
+          </a:fillRef>
+          <a:effectRef idx="0">
+            <a:schemeClr val="accent1"/>
+          </a:effectRef>
+          <a:fontRef idx="minor">
+            <a:schemeClr val="lt1"/>
+          </a:fontRef>
+        </p:style>
+        <p:txBody>
+          <a:bodyPr rtlCol="0" anchor="ctr"/>
+          <a:lstStyle/>
+          <a:p>
+            <a:pPr algn="ctr"/>
+            <a:r>
+              <a:rPr lang="es-ES" dirty="0"/>
+              <a:t>Combo </a:t>
+            </a:r>
+            <a:r>
+              <a:rPr lang="es-ES" dirty="0" err="1"/>
+              <a:t>reset</a:t>
+            </a:r>
+            <a:endParaRPr lang="es-ES" dirty="0"/>
+          </a:p>
+        </p:txBody>
+      </p:sp>
+      <p:sp>
+        <p:nvSpPr>
+          <p:cNvPr id="28" name="Rectángulo: esquinas redondeadas 27">
+            <a:extLst>
+              <a:ext uri="{FF2B5EF4-FFF2-40B4-BE49-F238E27FC236}">
+                <a16:creationId xmlns:a16="http://schemas.microsoft.com/office/drawing/2014/main" id="{95BF2DB2-FF36-4BF4-ABA8-138C2A43895E}"/>
+              </a:ext>
+            </a:extLst>
+          </p:cNvPr>
+          <p:cNvSpPr/>
+          <p:nvPr/>
+        </p:nvSpPr>
+        <p:spPr>
+          <a:xfrm>
+            <a:off x="7288567" y="452761"/>
+            <a:ext cx="1828800" cy="772358"/>
+          </a:xfrm>
+          <a:prstGeom prst="roundRect">
+            <a:avLst/>
+          </a:prstGeom>
+        </p:spPr>
+        <p:style>
+          <a:lnRef idx="2">
+            <a:schemeClr val="accent1">
+              <a:shade val="50000"/>
+            </a:schemeClr>
+          </a:lnRef>
+          <a:fillRef idx="1">
+            <a:schemeClr val="accent1"/>
+          </a:fillRef>
+          <a:effectRef idx="0">
+            <a:schemeClr val="accent1"/>
+          </a:effectRef>
+          <a:fontRef idx="minor">
+            <a:schemeClr val="lt1"/>
+          </a:fontRef>
+        </p:style>
+        <p:txBody>
+          <a:bodyPr rtlCol="0" anchor="ctr"/>
+          <a:lstStyle/>
+          <a:p>
+            <a:pPr algn="ctr"/>
+            <a:r>
+              <a:rPr lang="es-ES" dirty="0"/>
+              <a:t>Acumular combo débil</a:t>
+            </a:r>
+          </a:p>
+        </p:txBody>
+      </p:sp>
+      <p:sp>
+        <p:nvSpPr>
+          <p:cNvPr id="34" name="Rectángulo: esquinas redondeadas 33">
+            <a:extLst>
+              <a:ext uri="{FF2B5EF4-FFF2-40B4-BE49-F238E27FC236}">
+                <a16:creationId xmlns:a16="http://schemas.microsoft.com/office/drawing/2014/main" id="{4DAB31FD-F4F5-4D59-A712-51308E023655}"/>
+              </a:ext>
+            </a:extLst>
+          </p:cNvPr>
+          <p:cNvSpPr/>
+          <p:nvPr/>
+        </p:nvSpPr>
+        <p:spPr>
+          <a:xfrm>
+            <a:off x="7377344" y="5323642"/>
+            <a:ext cx="1828800" cy="772358"/>
+          </a:xfrm>
+          <a:prstGeom prst="roundRect">
+            <a:avLst/>
+          </a:prstGeom>
+        </p:spPr>
+        <p:style>
+          <a:lnRef idx="2">
+            <a:schemeClr val="accent1">
+              <a:shade val="50000"/>
+            </a:schemeClr>
+          </a:lnRef>
+          <a:fillRef idx="1">
+            <a:schemeClr val="accent1"/>
+          </a:fillRef>
+          <a:effectRef idx="0">
+            <a:schemeClr val="accent1"/>
+          </a:effectRef>
+          <a:fontRef idx="minor">
+            <a:schemeClr val="lt1"/>
+          </a:fontRef>
+        </p:style>
+        <p:txBody>
+          <a:bodyPr rtlCol="0" anchor="ctr"/>
+          <a:lstStyle/>
+          <a:p>
+            <a:pPr algn="ctr"/>
+            <a:r>
+              <a:rPr lang="es-ES" dirty="0"/>
+              <a:t>Acumular combo fuerte</a:t>
+            </a:r>
+          </a:p>
+        </p:txBody>
+      </p:sp>
+      <p:cxnSp>
+        <p:nvCxnSpPr>
+          <p:cNvPr id="32" name="Conector recto de flecha 31">
+            <a:extLst>
+              <a:ext uri="{FF2B5EF4-FFF2-40B4-BE49-F238E27FC236}">
+                <a16:creationId xmlns:a16="http://schemas.microsoft.com/office/drawing/2014/main" id="{13A06D19-0CA5-4D28-BA6C-89AD6D438930}"/>
+              </a:ext>
+            </a:extLst>
+          </p:cNvPr>
+          <p:cNvCxnSpPr>
+            <a:stCxn id="2" idx="3"/>
+            <a:endCxn id="28" idx="1"/>
+          </p:cNvCxnSpPr>
+          <p:nvPr/>
+        </p:nvCxnSpPr>
+        <p:spPr>
+          <a:xfrm>
+            <a:off x="5459768" y="798991"/>
+            <a:ext cx="1828799" cy="39949"/>
+          </a:xfrm>
+          <a:prstGeom prst="straightConnector1">
+            <a:avLst/>
+          </a:prstGeom>
+          <a:ln>
+            <a:tailEnd type="triangle"/>
+          </a:ln>
+        </p:spPr>
+        <p:style>
+          <a:lnRef idx="1">
+            <a:schemeClr val="accent1"/>
+          </a:lnRef>
+          <a:fillRef idx="0">
+            <a:schemeClr val="accent1"/>
+          </a:fillRef>
+          <a:effectRef idx="0">
+            <a:schemeClr val="accent1"/>
+          </a:effectRef>
+          <a:fontRef idx="minor">
+            <a:schemeClr val="tx1"/>
+          </a:fontRef>
+        </p:style>
+      </p:cxnSp>
+      <p:cxnSp>
+        <p:nvCxnSpPr>
+          <p:cNvPr id="37" name="Conector recto de flecha 36">
+            <a:extLst>
+              <a:ext uri="{FF2B5EF4-FFF2-40B4-BE49-F238E27FC236}">
+                <a16:creationId xmlns:a16="http://schemas.microsoft.com/office/drawing/2014/main" id="{1620BCE8-5E1B-44D1-B842-B94377CCA926}"/>
+              </a:ext>
+            </a:extLst>
+          </p:cNvPr>
+          <p:cNvCxnSpPr>
+            <a:stCxn id="21" idx="3"/>
+            <a:endCxn id="34" idx="1"/>
+          </p:cNvCxnSpPr>
+          <p:nvPr/>
+        </p:nvCxnSpPr>
+        <p:spPr>
+          <a:xfrm flipV="1">
+            <a:off x="5362112" y="5709821"/>
+            <a:ext cx="2015232" cy="1"/>
+          </a:xfrm>
+          <a:prstGeom prst="straightConnector1">
+            <a:avLst/>
+          </a:prstGeom>
+          <a:ln>
+            <a:tailEnd type="triangle"/>
+          </a:ln>
+        </p:spPr>
+        <p:style>
+          <a:lnRef idx="1">
+            <a:schemeClr val="accent1"/>
+          </a:lnRef>
+          <a:fillRef idx="0">
+            <a:schemeClr val="accent1"/>
+          </a:fillRef>
+          <a:effectRef idx="0">
+            <a:schemeClr val="accent1"/>
+          </a:effectRef>
+          <a:fontRef idx="minor">
+            <a:schemeClr val="tx1"/>
+          </a:fontRef>
+        </p:style>
+      </p:cxnSp>
+      <p:cxnSp>
+        <p:nvCxnSpPr>
+          <p:cNvPr id="39" name="Conector recto de flecha 38">
+            <a:extLst>
+              <a:ext uri="{FF2B5EF4-FFF2-40B4-BE49-F238E27FC236}">
+                <a16:creationId xmlns:a16="http://schemas.microsoft.com/office/drawing/2014/main" id="{D5F9DDE6-5F07-47F8-9168-2FB092EBDBA1}"/>
+              </a:ext>
+            </a:extLst>
+          </p:cNvPr>
+          <p:cNvCxnSpPr>
+            <a:stCxn id="28" idx="3"/>
+            <a:endCxn id="23" idx="2"/>
+          </p:cNvCxnSpPr>
+          <p:nvPr/>
+        </p:nvCxnSpPr>
+        <p:spPr>
+          <a:xfrm>
+            <a:off x="9117367" y="838940"/>
+            <a:ext cx="1571347" cy="2309674"/>
+          </a:xfrm>
+          <a:prstGeom prst="straightConnector1">
+            <a:avLst/>
+          </a:prstGeom>
+          <a:ln>
+            <a:tailEnd type="triangle"/>
+          </a:ln>
+        </p:spPr>
+        <p:style>
+          <a:lnRef idx="1">
+            <a:schemeClr val="accent1"/>
+          </a:lnRef>
+          <a:fillRef idx="0">
+            <a:schemeClr val="accent1"/>
+          </a:fillRef>
+          <a:effectRef idx="0">
+            <a:schemeClr val="accent1"/>
+          </a:effectRef>
+          <a:fontRef idx="minor">
+            <a:schemeClr val="tx1"/>
+          </a:fontRef>
+        </p:style>
+      </p:cxnSp>
+      <p:cxnSp>
+        <p:nvCxnSpPr>
+          <p:cNvPr id="41" name="Conector recto de flecha 40">
+            <a:extLst>
+              <a:ext uri="{FF2B5EF4-FFF2-40B4-BE49-F238E27FC236}">
+                <a16:creationId xmlns:a16="http://schemas.microsoft.com/office/drawing/2014/main" id="{5ECE9A63-92FB-4D0B-B22A-2AAFCA15041B}"/>
+              </a:ext>
+            </a:extLst>
+          </p:cNvPr>
+          <p:cNvCxnSpPr>
+            <a:stCxn id="34" idx="3"/>
+            <a:endCxn id="23" idx="2"/>
+          </p:cNvCxnSpPr>
+          <p:nvPr/>
+        </p:nvCxnSpPr>
+        <p:spPr>
+          <a:xfrm flipV="1">
+            <a:off x="9206144" y="3148614"/>
+            <a:ext cx="1482570" cy="2561207"/>
+          </a:xfrm>
+          <a:prstGeom prst="straightConnector1">
+            <a:avLst/>
+          </a:prstGeom>
+          <a:ln>
+            <a:tailEnd type="triangle"/>
+          </a:ln>
+        </p:spPr>
+        <p:style>
+          <a:lnRef idx="1">
+            <a:schemeClr val="accent1"/>
+          </a:lnRef>
+          <a:fillRef idx="0">
+            <a:schemeClr val="accent1"/>
+          </a:fillRef>
+          <a:effectRef idx="0">
+            <a:schemeClr val="accent1"/>
+          </a:effectRef>
+          <a:fontRef idx="minor">
+            <a:schemeClr val="tx1"/>
+          </a:fontRef>
+        </p:style>
+      </p:cxnSp>
+      <p:cxnSp>
+        <p:nvCxnSpPr>
+          <p:cNvPr id="43" name="Conector: angular 42">
+            <a:extLst>
+              <a:ext uri="{FF2B5EF4-FFF2-40B4-BE49-F238E27FC236}">
+                <a16:creationId xmlns:a16="http://schemas.microsoft.com/office/drawing/2014/main" id="{510FD424-F859-4558-9BF5-3F85CB30AD55}"/>
+              </a:ext>
+            </a:extLst>
+          </p:cNvPr>
+          <p:cNvCxnSpPr>
+            <a:cxnSpLocks/>
+            <a:stCxn id="28" idx="2"/>
+          </p:cNvCxnSpPr>
+          <p:nvPr/>
+        </p:nvCxnSpPr>
+        <p:spPr>
+          <a:xfrm rot="5400000">
+            <a:off x="6292048" y="-685800"/>
+            <a:ext cx="12700" cy="3821838"/>
+          </a:xfrm>
+          <a:prstGeom prst="bentConnector4">
+            <a:avLst>
+              <a:gd name="adj1" fmla="val 4700969"/>
+              <a:gd name="adj2" fmla="val 100058"/>
+            </a:avLst>
+          </a:prstGeom>
+          <a:ln>
+            <a:tailEnd type="triangle"/>
+          </a:ln>
+        </p:spPr>
+        <p:style>
+          <a:lnRef idx="1">
+            <a:schemeClr val="accent1"/>
+          </a:lnRef>
+          <a:fillRef idx="0">
+            <a:schemeClr val="accent1"/>
+          </a:fillRef>
+          <a:effectRef idx="0">
+            <a:schemeClr val="accent1"/>
+          </a:effectRef>
+          <a:fontRef idx="minor">
+            <a:schemeClr val="tx1"/>
+          </a:fontRef>
+        </p:style>
+      </p:cxnSp>
+      <p:cxnSp>
+        <p:nvCxnSpPr>
+          <p:cNvPr id="47" name="Conector: angular 46">
+            <a:extLst>
+              <a:ext uri="{FF2B5EF4-FFF2-40B4-BE49-F238E27FC236}">
+                <a16:creationId xmlns:a16="http://schemas.microsoft.com/office/drawing/2014/main" id="{5F76741A-FE07-4C04-A3B6-A0F6D322928E}"/>
+              </a:ext>
+            </a:extLst>
+          </p:cNvPr>
+          <p:cNvCxnSpPr>
+            <a:cxnSpLocks/>
+            <a:stCxn id="34" idx="0"/>
+          </p:cNvCxnSpPr>
+          <p:nvPr/>
+        </p:nvCxnSpPr>
+        <p:spPr>
+          <a:xfrm rot="16200000" flipV="1">
+            <a:off x="6248771" y="3280668"/>
+            <a:ext cx="12700" cy="4085947"/>
+          </a:xfrm>
+          <a:prstGeom prst="bentConnector4">
+            <a:avLst>
+              <a:gd name="adj1" fmla="val 4071850"/>
+              <a:gd name="adj2" fmla="val 100299"/>
+            </a:avLst>
+          </a:prstGeom>
+          <a:ln>
+            <a:tailEnd type="triangle"/>
+          </a:ln>
+        </p:spPr>
+        <p:style>
+          <a:lnRef idx="1">
+            <a:schemeClr val="accent1"/>
+          </a:lnRef>
+          <a:fillRef idx="0">
+            <a:schemeClr val="accent1"/>
+          </a:fillRef>
+          <a:effectRef idx="0">
+            <a:schemeClr val="accent1"/>
+          </a:effectRef>
+          <a:fontRef idx="minor">
+            <a:schemeClr val="tx1"/>
+          </a:fontRef>
+        </p:style>
+      </p:cxnSp>
+      <p:sp>
+        <p:nvSpPr>
+          <p:cNvPr id="52" name="CuadroTexto 51">
+            <a:extLst>
+              <a:ext uri="{FF2B5EF4-FFF2-40B4-BE49-F238E27FC236}">
+                <a16:creationId xmlns:a16="http://schemas.microsoft.com/office/drawing/2014/main" id="{E50CCE9F-86DF-462B-91C0-97277C71A7F2}"/>
+              </a:ext>
+            </a:extLst>
+          </p:cNvPr>
+          <p:cNvSpPr txBox="1"/>
+          <p:nvPr/>
+        </p:nvSpPr>
+        <p:spPr>
+          <a:xfrm>
+            <a:off x="5504155" y="1973802"/>
+            <a:ext cx="1873189" cy="369332"/>
+          </a:xfrm>
+          <a:prstGeom prst="rect">
+            <a:avLst/>
+          </a:prstGeom>
+          <a:noFill/>
+        </p:spPr>
+        <p:txBody>
+          <a:bodyPr wrap="square" rtlCol="0">
+            <a:spAutoFit/>
+          </a:bodyPr>
+          <a:lstStyle/>
+          <a:p>
+            <a:r>
+              <a:rPr lang="es-ES" dirty="0"/>
+              <a:t>Se vuelve a atacar</a:t>
+            </a:r>
+          </a:p>
+        </p:txBody>
+      </p:sp>
+      <p:sp>
+        <p:nvSpPr>
+          <p:cNvPr id="53" name="CuadroTexto 52">
+            <a:extLst>
+              <a:ext uri="{FF2B5EF4-FFF2-40B4-BE49-F238E27FC236}">
+                <a16:creationId xmlns:a16="http://schemas.microsoft.com/office/drawing/2014/main" id="{FE77A58F-D131-40A8-942A-2BD0BC0C9737}"/>
+              </a:ext>
+            </a:extLst>
+          </p:cNvPr>
+          <p:cNvSpPr txBox="1"/>
+          <p:nvPr/>
+        </p:nvSpPr>
+        <p:spPr>
+          <a:xfrm>
+            <a:off x="5459768" y="4366617"/>
+            <a:ext cx="1873189" cy="369332"/>
+          </a:xfrm>
+          <a:prstGeom prst="rect">
+            <a:avLst/>
+          </a:prstGeom>
+          <a:noFill/>
+        </p:spPr>
+        <p:txBody>
+          <a:bodyPr wrap="square" rtlCol="0">
+            <a:spAutoFit/>
+          </a:bodyPr>
+          <a:lstStyle/>
+          <a:p>
+            <a:r>
+              <a:rPr lang="es-ES" dirty="0"/>
+              <a:t>Se vuelve a atacar</a:t>
+            </a:r>
+          </a:p>
+        </p:txBody>
+      </p:sp>
+      <p:sp>
+        <p:nvSpPr>
+          <p:cNvPr id="54" name="CuadroTexto 53">
+            <a:extLst>
+              <a:ext uri="{FF2B5EF4-FFF2-40B4-BE49-F238E27FC236}">
+                <a16:creationId xmlns:a16="http://schemas.microsoft.com/office/drawing/2014/main" id="{BC7C34B4-E683-4A3B-8F52-721A62BBBC2E}"/>
+              </a:ext>
+            </a:extLst>
+          </p:cNvPr>
+          <p:cNvSpPr txBox="1"/>
+          <p:nvPr/>
+        </p:nvSpPr>
+        <p:spPr>
+          <a:xfrm>
+            <a:off x="9903040" y="1397181"/>
+            <a:ext cx="1695635" cy="369332"/>
+          </a:xfrm>
+          <a:prstGeom prst="rect">
+            <a:avLst/>
+          </a:prstGeom>
+          <a:noFill/>
+        </p:spPr>
+        <p:txBody>
+          <a:bodyPr wrap="square" rtlCol="0">
+            <a:spAutoFit/>
+          </a:bodyPr>
+          <a:lstStyle/>
+          <a:p>
+            <a:r>
+              <a:rPr lang="es-ES" dirty="0"/>
+              <a:t>Pasa un tiempo</a:t>
+            </a:r>
+          </a:p>
+        </p:txBody>
+      </p:sp>
+      <p:sp>
+        <p:nvSpPr>
+          <p:cNvPr id="55" name="CuadroTexto 54">
+            <a:extLst>
+              <a:ext uri="{FF2B5EF4-FFF2-40B4-BE49-F238E27FC236}">
+                <a16:creationId xmlns:a16="http://schemas.microsoft.com/office/drawing/2014/main" id="{F9CF97FB-AA59-4649-A203-E0F1A0C3B052}"/>
+              </a:ext>
+            </a:extLst>
+          </p:cNvPr>
+          <p:cNvSpPr txBox="1"/>
+          <p:nvPr/>
+        </p:nvSpPr>
+        <p:spPr>
+          <a:xfrm>
+            <a:off x="9947429" y="4735949"/>
+            <a:ext cx="1695635" cy="369332"/>
+          </a:xfrm>
+          <a:prstGeom prst="rect">
+            <a:avLst/>
+          </a:prstGeom>
+          <a:noFill/>
+        </p:spPr>
+        <p:txBody>
+          <a:bodyPr wrap="square" rtlCol="0">
+            <a:spAutoFit/>
+          </a:bodyPr>
+          <a:lstStyle/>
+          <a:p>
+            <a:r>
+              <a:rPr lang="es-ES" dirty="0"/>
+              <a:t>Pasa un tiempo</a:t>
+            </a:r>
+          </a:p>
+        </p:txBody>
+      </p:sp>
+    </p:spTree>
+    <p:extLst>
+      <p:ext uri="{BB962C8B-B14F-4D97-AF65-F5344CB8AC3E}">
+        <p14:creationId xmlns:p14="http://schemas.microsoft.com/office/powerpoint/2010/main" val="266086181"/>
+      </p:ext>
+    </p:extLst>
+  </p:cSld>
+  <p:clrMapOvr>
+    <a:masterClrMapping/>
+  </p:clrMapOvr>
+</p:sld>
+</file>
+
+<file path=ppt/slides/slide8.xml><?xml version="1.0" encoding="utf-8"?>
+<p:sld xmlns:a="http://schemas.openxmlformats.org/drawingml/2006/main" xmlns:r="http://schemas.openxmlformats.org/officeDocument/2006/relationships" xmlns:p="http://schemas.openxmlformats.org/presentationml/2006/main">
+  <p:cSld>
+    <p:bg>
+      <p:bgPr>
+        <a:gradFill>
+          <a:gsLst>
+            <a:gs pos="0">
+              <a:schemeClr val="bg2">
+                <a:tint val="96000"/>
+                <a:shade val="100000"/>
+                <a:hueMod val="270000"/>
+                <a:satMod val="200000"/>
+                <a:lumMod val="128000"/>
+              </a:schemeClr>
+            </a:gs>
+            <a:gs pos="50000">
+              <a:schemeClr val="bg2">
+                <a:shade val="100000"/>
+                <a:hueMod val="100000"/>
+                <a:satMod val="110000"/>
+                <a:lumMod val="130000"/>
+              </a:schemeClr>
+            </a:gs>
+            <a:gs pos="100000">
+              <a:schemeClr val="bg2">
+                <a:shade val="78000"/>
+                <a:hueMod val="44000"/>
+                <a:satMod val="200000"/>
+                <a:lumMod val="69000"/>
+              </a:schemeClr>
+            </a:gs>
+          </a:gsLst>
+          <a:lin ang="2520000" scaled="0"/>
+        </a:gradFill>
+        <a:effectLst/>
+      </p:bgPr>
+    </p:bg>
+    <p:spTree>
+      <p:nvGrpSpPr>
+        <p:cNvPr id="1" name=""/>
+        <p:cNvGrpSpPr/>
+        <p:nvPr/>
+      </p:nvGrpSpPr>
+      <p:grpSpPr>
+        <a:xfrm>
+          <a:off x="0" y="0"/>
+          <a:ext cx="0" cy="0"/>
+          <a:chOff x="0" y="0"/>
+          <a:chExt cx="0" cy="0"/>
+        </a:xfrm>
+      </p:grpSpPr>
+      <p:sp>
+        <p:nvSpPr>
+          <p:cNvPr id="3" name="Rectángulo 2">
+            <a:extLst>
+              <a:ext uri="{FF2B5EF4-FFF2-40B4-BE49-F238E27FC236}">
+                <a16:creationId xmlns:a16="http://schemas.microsoft.com/office/drawing/2014/main" id="{011DA267-8E11-4F22-937A-CF80E974C997}"/>
+              </a:ext>
+            </a:extLst>
+          </p:cNvPr>
+          <p:cNvSpPr/>
+          <p:nvPr/>
+        </p:nvSpPr>
+        <p:spPr>
+          <a:xfrm>
+            <a:off x="266330" y="2691414"/>
+            <a:ext cx="2104008" cy="914400"/>
+          </a:xfrm>
+          <a:prstGeom prst="rect">
+            <a:avLst/>
+          </a:prstGeom>
+        </p:spPr>
+        <p:style>
+          <a:lnRef idx="2">
+            <a:schemeClr val="accent1">
+              <a:shade val="50000"/>
+            </a:schemeClr>
+          </a:lnRef>
+          <a:fillRef idx="1">
+            <a:schemeClr val="accent1"/>
+          </a:fillRef>
+          <a:effectRef idx="0">
+            <a:schemeClr val="accent1"/>
+          </a:effectRef>
+          <a:fontRef idx="minor">
+            <a:schemeClr val="lt1"/>
+          </a:fontRef>
+        </p:style>
+        <p:txBody>
+          <a:bodyPr rtlCol="0" anchor="ctr"/>
+          <a:lstStyle/>
+          <a:p>
+            <a:pPr algn="ctr"/>
+            <a:r>
+              <a:rPr lang="es-ES" dirty="0"/>
+              <a:t>Evento de movimiento</a:t>
+            </a:r>
+          </a:p>
+        </p:txBody>
+      </p:sp>
+      <p:sp>
+        <p:nvSpPr>
+          <p:cNvPr id="2" name="Rectángulo: esquinas redondeadas 1">
+            <a:extLst>
+              <a:ext uri="{FF2B5EF4-FFF2-40B4-BE49-F238E27FC236}">
+                <a16:creationId xmlns:a16="http://schemas.microsoft.com/office/drawing/2014/main" id="{717694C8-8844-4716-97F8-F080DF2DA8DA}"/>
+              </a:ext>
+            </a:extLst>
+          </p:cNvPr>
+          <p:cNvSpPr/>
+          <p:nvPr/>
+        </p:nvSpPr>
+        <p:spPr>
+          <a:xfrm>
+            <a:off x="3497803" y="372862"/>
+            <a:ext cx="1961965" cy="852257"/>
+          </a:xfrm>
+          <a:prstGeom prst="roundRect">
+            <a:avLst/>
+          </a:prstGeom>
+        </p:spPr>
+        <p:style>
+          <a:lnRef idx="2">
+            <a:schemeClr val="accent1">
+              <a:shade val="50000"/>
+            </a:schemeClr>
+          </a:lnRef>
+          <a:fillRef idx="1">
+            <a:schemeClr val="accent1"/>
+          </a:fillRef>
+          <a:effectRef idx="0">
+            <a:schemeClr val="accent1"/>
+          </a:effectRef>
+          <a:fontRef idx="minor">
+            <a:schemeClr val="lt1"/>
+          </a:fontRef>
+        </p:style>
+        <p:txBody>
+          <a:bodyPr rtlCol="0" anchor="ctr"/>
+          <a:lstStyle/>
+          <a:p>
+            <a:pPr algn="ctr"/>
+            <a:r>
+              <a:rPr lang="es-ES" dirty="0"/>
+              <a:t>Movimiento hacia delante</a:t>
+            </a:r>
+          </a:p>
+        </p:txBody>
+      </p:sp>
+      <p:sp>
+        <p:nvSpPr>
+          <p:cNvPr id="21" name="Rectángulo: esquinas redondeadas 20">
+            <a:extLst>
+              <a:ext uri="{FF2B5EF4-FFF2-40B4-BE49-F238E27FC236}">
+                <a16:creationId xmlns:a16="http://schemas.microsoft.com/office/drawing/2014/main" id="{AE1CB4CD-0C7D-44D0-9749-58368D160546}"/>
+              </a:ext>
+            </a:extLst>
+          </p:cNvPr>
+          <p:cNvSpPr/>
+          <p:nvPr/>
+        </p:nvSpPr>
+        <p:spPr>
+          <a:xfrm>
+            <a:off x="3400147" y="5387265"/>
+            <a:ext cx="1961965" cy="852257"/>
+          </a:xfrm>
+          <a:prstGeom prst="roundRect">
+            <a:avLst/>
+          </a:prstGeom>
+        </p:spPr>
+        <p:style>
+          <a:lnRef idx="2">
+            <a:schemeClr val="accent1">
+              <a:shade val="50000"/>
+            </a:schemeClr>
+          </a:lnRef>
+          <a:fillRef idx="1">
+            <a:schemeClr val="accent1"/>
+          </a:fillRef>
+          <a:effectRef idx="0">
+            <a:schemeClr val="accent1"/>
+          </a:effectRef>
+          <a:fontRef idx="minor">
+            <a:schemeClr val="lt1"/>
+          </a:fontRef>
+        </p:style>
+        <p:txBody>
+          <a:bodyPr rtlCol="0" anchor="ctr"/>
+          <a:lstStyle/>
+          <a:p>
+            <a:pPr algn="ctr"/>
+            <a:r>
+              <a:rPr lang="es-ES" dirty="0"/>
+              <a:t>Movimiento hacia los lados</a:t>
+            </a:r>
+          </a:p>
+        </p:txBody>
+      </p:sp>
+      <p:cxnSp>
+        <p:nvCxnSpPr>
+          <p:cNvPr id="10" name="Conector recto de flecha 9">
+            <a:extLst>
+              <a:ext uri="{FF2B5EF4-FFF2-40B4-BE49-F238E27FC236}">
+                <a16:creationId xmlns:a16="http://schemas.microsoft.com/office/drawing/2014/main" id="{E919E6B9-D681-440C-A6E2-766F674776B6}"/>
+              </a:ext>
+            </a:extLst>
+          </p:cNvPr>
+          <p:cNvCxnSpPr>
+            <a:stCxn id="3" idx="3"/>
+            <a:endCxn id="2" idx="1"/>
+          </p:cNvCxnSpPr>
+          <p:nvPr/>
+        </p:nvCxnSpPr>
+        <p:spPr>
+          <a:xfrm flipV="1">
+            <a:off x="2370338" y="798991"/>
+            <a:ext cx="1127465" cy="2349623"/>
+          </a:xfrm>
+          <a:prstGeom prst="straightConnector1">
+            <a:avLst/>
+          </a:prstGeom>
+          <a:ln>
+            <a:tailEnd type="triangle"/>
+          </a:ln>
+        </p:spPr>
+        <p:style>
+          <a:lnRef idx="1">
+            <a:schemeClr val="accent1"/>
+          </a:lnRef>
+          <a:fillRef idx="0">
+            <a:schemeClr val="accent1"/>
+          </a:fillRef>
+          <a:effectRef idx="0">
+            <a:schemeClr val="accent1"/>
+          </a:effectRef>
+          <a:fontRef idx="minor">
+            <a:schemeClr val="tx1"/>
+          </a:fontRef>
+        </p:style>
+      </p:cxnSp>
+      <p:cxnSp>
+        <p:nvCxnSpPr>
+          <p:cNvPr id="13" name="Conector recto de flecha 12">
+            <a:extLst>
+              <a:ext uri="{FF2B5EF4-FFF2-40B4-BE49-F238E27FC236}">
+                <a16:creationId xmlns:a16="http://schemas.microsoft.com/office/drawing/2014/main" id="{66143A30-ABD1-4C5C-8884-8E3FE828A9FC}"/>
+              </a:ext>
+            </a:extLst>
+          </p:cNvPr>
+          <p:cNvCxnSpPr>
+            <a:stCxn id="3" idx="3"/>
+            <a:endCxn id="21" idx="1"/>
+          </p:cNvCxnSpPr>
+          <p:nvPr/>
+        </p:nvCxnSpPr>
+        <p:spPr>
+          <a:xfrm>
+            <a:off x="2370338" y="3148614"/>
+            <a:ext cx="1029809" cy="2664780"/>
+          </a:xfrm>
+          <a:prstGeom prst="straightConnector1">
+            <a:avLst/>
+          </a:prstGeom>
+          <a:ln>
+            <a:tailEnd type="triangle"/>
+          </a:ln>
+        </p:spPr>
+        <p:style>
+          <a:lnRef idx="1">
+            <a:schemeClr val="accent1"/>
+          </a:lnRef>
+          <a:fillRef idx="0">
+            <a:schemeClr val="accent1"/>
+          </a:fillRef>
+          <a:effectRef idx="0">
+            <a:schemeClr val="accent1"/>
+          </a:effectRef>
+          <a:fontRef idx="minor">
+            <a:schemeClr val="tx1"/>
+          </a:fontRef>
+        </p:style>
+      </p:cxnSp>
+      <p:sp>
+        <p:nvSpPr>
+          <p:cNvPr id="28" name="Rectángulo: esquinas redondeadas 27">
+            <a:extLst>
+              <a:ext uri="{FF2B5EF4-FFF2-40B4-BE49-F238E27FC236}">
+                <a16:creationId xmlns:a16="http://schemas.microsoft.com/office/drawing/2014/main" id="{95BF2DB2-FF36-4BF4-ABA8-138C2A43895E}"/>
+              </a:ext>
+            </a:extLst>
+          </p:cNvPr>
+          <p:cNvSpPr/>
+          <p:nvPr/>
+        </p:nvSpPr>
+        <p:spPr>
+          <a:xfrm>
+            <a:off x="7199790" y="372862"/>
+            <a:ext cx="1828800" cy="772358"/>
+          </a:xfrm>
+          <a:prstGeom prst="roundRect">
+            <a:avLst/>
+          </a:prstGeom>
+        </p:spPr>
+        <p:style>
+          <a:lnRef idx="2">
+            <a:schemeClr val="accent1">
+              <a:shade val="50000"/>
+            </a:schemeClr>
+          </a:lnRef>
+          <a:fillRef idx="1">
+            <a:schemeClr val="accent1"/>
+          </a:fillRef>
+          <a:effectRef idx="0">
+            <a:schemeClr val="accent1"/>
+          </a:effectRef>
+          <a:fontRef idx="minor">
+            <a:schemeClr val="lt1"/>
+          </a:fontRef>
+        </p:style>
+        <p:txBody>
+          <a:bodyPr rtlCol="0" anchor="ctr"/>
+          <a:lstStyle/>
+          <a:p>
+            <a:pPr algn="ctr"/>
+            <a:r>
+              <a:rPr lang="es-ES" dirty="0"/>
+              <a:t>Calcular vector de movimiento</a:t>
+            </a:r>
+          </a:p>
+        </p:txBody>
+      </p:sp>
+      <p:sp>
+        <p:nvSpPr>
+          <p:cNvPr id="34" name="Rectángulo: esquinas redondeadas 33">
+            <a:extLst>
+              <a:ext uri="{FF2B5EF4-FFF2-40B4-BE49-F238E27FC236}">
+                <a16:creationId xmlns:a16="http://schemas.microsoft.com/office/drawing/2014/main" id="{4DAB31FD-F4F5-4D59-A712-51308E023655}"/>
+              </a:ext>
+            </a:extLst>
+          </p:cNvPr>
+          <p:cNvSpPr/>
+          <p:nvPr/>
+        </p:nvSpPr>
+        <p:spPr>
+          <a:xfrm>
+            <a:off x="7377344" y="5323642"/>
+            <a:ext cx="1828800" cy="979504"/>
+          </a:xfrm>
+          <a:prstGeom prst="roundRect">
+            <a:avLst/>
+          </a:prstGeom>
+        </p:spPr>
+        <p:style>
+          <a:lnRef idx="2">
+            <a:schemeClr val="accent1">
+              <a:shade val="50000"/>
+            </a:schemeClr>
+          </a:lnRef>
+          <a:fillRef idx="1">
+            <a:schemeClr val="accent1"/>
+          </a:fillRef>
+          <a:effectRef idx="0">
+            <a:schemeClr val="accent1"/>
+          </a:effectRef>
+          <a:fontRef idx="minor">
+            <a:schemeClr val="lt1"/>
+          </a:fontRef>
+        </p:style>
+        <p:txBody>
+          <a:bodyPr rtlCol="0" anchor="ctr"/>
+          <a:lstStyle/>
+          <a:p>
+            <a:pPr algn="ctr"/>
+            <a:r>
+              <a:rPr lang="es-ES" dirty="0"/>
+              <a:t>Calcular vector de movimiento lateral</a:t>
+            </a:r>
+          </a:p>
+        </p:txBody>
+      </p:sp>
+      <p:cxnSp>
+        <p:nvCxnSpPr>
+          <p:cNvPr id="32" name="Conector recto de flecha 31">
+            <a:extLst>
+              <a:ext uri="{FF2B5EF4-FFF2-40B4-BE49-F238E27FC236}">
+                <a16:creationId xmlns:a16="http://schemas.microsoft.com/office/drawing/2014/main" id="{13A06D19-0CA5-4D28-BA6C-89AD6D438930}"/>
+              </a:ext>
+            </a:extLst>
+          </p:cNvPr>
+          <p:cNvCxnSpPr>
+            <a:stCxn id="2" idx="3"/>
+            <a:endCxn id="28" idx="1"/>
+          </p:cNvCxnSpPr>
+          <p:nvPr/>
+        </p:nvCxnSpPr>
+        <p:spPr>
+          <a:xfrm flipV="1">
+            <a:off x="5459768" y="759041"/>
+            <a:ext cx="1740022" cy="39950"/>
+          </a:xfrm>
+          <a:prstGeom prst="straightConnector1">
+            <a:avLst/>
+          </a:prstGeom>
+          <a:ln>
+            <a:tailEnd type="triangle"/>
+          </a:ln>
+        </p:spPr>
+        <p:style>
+          <a:lnRef idx="1">
+            <a:schemeClr val="accent1"/>
+          </a:lnRef>
+          <a:fillRef idx="0">
+            <a:schemeClr val="accent1"/>
+          </a:fillRef>
+          <a:effectRef idx="0">
+            <a:schemeClr val="accent1"/>
+          </a:effectRef>
+          <a:fontRef idx="minor">
+            <a:schemeClr val="tx1"/>
+          </a:fontRef>
+        </p:style>
+      </p:cxnSp>
+      <p:cxnSp>
+        <p:nvCxnSpPr>
+          <p:cNvPr id="37" name="Conector recto de flecha 36">
+            <a:extLst>
+              <a:ext uri="{FF2B5EF4-FFF2-40B4-BE49-F238E27FC236}">
+                <a16:creationId xmlns:a16="http://schemas.microsoft.com/office/drawing/2014/main" id="{1620BCE8-5E1B-44D1-B842-B94377CCA926}"/>
+              </a:ext>
+            </a:extLst>
+          </p:cNvPr>
+          <p:cNvCxnSpPr>
+            <a:cxnSpLocks/>
+            <a:stCxn id="21" idx="3"/>
+            <a:endCxn id="34" idx="1"/>
+          </p:cNvCxnSpPr>
+          <p:nvPr/>
+        </p:nvCxnSpPr>
+        <p:spPr>
+          <a:xfrm>
+            <a:off x="5362112" y="5813394"/>
+            <a:ext cx="2015232" cy="0"/>
+          </a:xfrm>
+          <a:prstGeom prst="straightConnector1">
+            <a:avLst/>
+          </a:prstGeom>
+          <a:ln>
+            <a:tailEnd type="triangle"/>
+          </a:ln>
+        </p:spPr>
+        <p:style>
+          <a:lnRef idx="1">
+            <a:schemeClr val="accent1"/>
+          </a:lnRef>
+          <a:fillRef idx="0">
+            <a:schemeClr val="accent1"/>
+          </a:fillRef>
+          <a:effectRef idx="0">
+            <a:schemeClr val="accent1"/>
+          </a:effectRef>
+          <a:fontRef idx="minor">
+            <a:schemeClr val="tx1"/>
+          </a:fontRef>
+        </p:style>
+      </p:cxnSp>
+      <p:cxnSp>
+        <p:nvCxnSpPr>
+          <p:cNvPr id="39" name="Conector recto de flecha 38">
+            <a:extLst>
+              <a:ext uri="{FF2B5EF4-FFF2-40B4-BE49-F238E27FC236}">
+                <a16:creationId xmlns:a16="http://schemas.microsoft.com/office/drawing/2014/main" id="{D5F9DDE6-5F07-47F8-9168-2FB092EBDBA1}"/>
+              </a:ext>
+            </a:extLst>
+          </p:cNvPr>
+          <p:cNvCxnSpPr>
+            <a:cxnSpLocks/>
+            <a:stCxn id="28" idx="3"/>
+            <a:endCxn id="9" idx="1"/>
+          </p:cNvCxnSpPr>
+          <p:nvPr/>
+        </p:nvCxnSpPr>
+        <p:spPr>
+          <a:xfrm>
+            <a:off x="9028590" y="759041"/>
+            <a:ext cx="1041647" cy="2389573"/>
+          </a:xfrm>
+          <a:prstGeom prst="straightConnector1">
+            <a:avLst/>
+          </a:prstGeom>
+          <a:ln>
+            <a:tailEnd type="triangle"/>
+          </a:ln>
+        </p:spPr>
+        <p:style>
+          <a:lnRef idx="1">
+            <a:schemeClr val="accent1"/>
+          </a:lnRef>
+          <a:fillRef idx="0">
+            <a:schemeClr val="accent1"/>
+          </a:fillRef>
+          <a:effectRef idx="0">
+            <a:schemeClr val="accent1"/>
+          </a:effectRef>
+          <a:fontRef idx="minor">
+            <a:schemeClr val="tx1"/>
+          </a:fontRef>
+        </p:style>
+      </p:cxnSp>
+      <p:cxnSp>
+        <p:nvCxnSpPr>
+          <p:cNvPr id="41" name="Conector recto de flecha 40">
+            <a:extLst>
+              <a:ext uri="{FF2B5EF4-FFF2-40B4-BE49-F238E27FC236}">
+                <a16:creationId xmlns:a16="http://schemas.microsoft.com/office/drawing/2014/main" id="{5ECE9A63-92FB-4D0B-B22A-2AAFCA15041B}"/>
+              </a:ext>
+            </a:extLst>
+          </p:cNvPr>
+          <p:cNvCxnSpPr>
+            <a:cxnSpLocks/>
+            <a:stCxn id="34" idx="3"/>
+            <a:endCxn id="9" idx="1"/>
+          </p:cNvCxnSpPr>
+          <p:nvPr/>
+        </p:nvCxnSpPr>
+        <p:spPr>
+          <a:xfrm flipV="1">
+            <a:off x="9206144" y="3148614"/>
+            <a:ext cx="864093" cy="2664780"/>
+          </a:xfrm>
+          <a:prstGeom prst="straightConnector1">
+            <a:avLst/>
+          </a:prstGeom>
+          <a:ln>
+            <a:tailEnd type="triangle"/>
+          </a:ln>
+        </p:spPr>
+        <p:style>
+          <a:lnRef idx="1">
+            <a:schemeClr val="accent1"/>
+          </a:lnRef>
+          <a:fillRef idx="0">
+            <a:schemeClr val="accent1"/>
+          </a:fillRef>
+          <a:effectRef idx="0">
+            <a:schemeClr val="accent1"/>
+          </a:effectRef>
+          <a:fontRef idx="minor">
+            <a:schemeClr val="tx1"/>
+          </a:fontRef>
+        </p:style>
+      </p:cxnSp>
+      <p:sp>
+        <p:nvSpPr>
+          <p:cNvPr id="9" name="Rectángulo: esquinas redondeadas 8">
+            <a:extLst>
+              <a:ext uri="{FF2B5EF4-FFF2-40B4-BE49-F238E27FC236}">
+                <a16:creationId xmlns:a16="http://schemas.microsoft.com/office/drawing/2014/main" id="{600777A2-970C-4D41-AFCD-F89DE4E5D994}"/>
+              </a:ext>
+            </a:extLst>
+          </p:cNvPr>
+          <p:cNvSpPr/>
+          <p:nvPr/>
+        </p:nvSpPr>
+        <p:spPr>
+          <a:xfrm>
+            <a:off x="10070237" y="2825319"/>
+            <a:ext cx="1660124" cy="646590"/>
+          </a:xfrm>
+          <a:prstGeom prst="roundRect">
+            <a:avLst/>
+          </a:prstGeom>
+        </p:spPr>
+        <p:style>
+          <a:lnRef idx="2">
+            <a:schemeClr val="accent1">
+              <a:shade val="50000"/>
+            </a:schemeClr>
+          </a:lnRef>
+          <a:fillRef idx="1">
+            <a:schemeClr val="accent1"/>
+          </a:fillRef>
+          <a:effectRef idx="0">
+            <a:schemeClr val="accent1"/>
+          </a:effectRef>
+          <a:fontRef idx="minor">
+            <a:schemeClr val="lt1"/>
+          </a:fontRef>
+        </p:style>
+        <p:txBody>
+          <a:bodyPr rtlCol="0" anchor="ctr"/>
+          <a:lstStyle/>
+          <a:p>
+            <a:pPr algn="ctr"/>
+            <a:r>
+              <a:rPr lang="es-ES" dirty="0"/>
+              <a:t>Añadir movimiento</a:t>
+            </a:r>
+          </a:p>
+        </p:txBody>
+      </p:sp>
+    </p:spTree>
+    <p:extLst>
+      <p:ext uri="{BB962C8B-B14F-4D97-AF65-F5344CB8AC3E}">
+        <p14:creationId xmlns:p14="http://schemas.microsoft.com/office/powerpoint/2010/main" val="714451767"/>
+      </p:ext>
+    </p:extLst>
+  </p:cSld>
+  <p:clrMapOvr>
+    <a:masterClrMapping/>
+  </p:clrMapOvr>
+</p:sld>
+</file>
+
+<file path=ppt/slides/slide9.xml><?xml version="1.0" encoding="utf-8"?>
+<p:sld xmlns:a="http://schemas.openxmlformats.org/drawingml/2006/main" xmlns:r="http://schemas.openxmlformats.org/officeDocument/2006/relationships" xmlns:p="http://schemas.openxmlformats.org/presentationml/2006/main">
+  <p:cSld>
+    <p:bg>
+      <p:bgPr>
+        <a:gradFill>
+          <a:gsLst>
+            <a:gs pos="0">
+              <a:schemeClr val="bg2">
+                <a:tint val="96000"/>
+                <a:shade val="100000"/>
+                <a:hueMod val="270000"/>
+                <a:satMod val="200000"/>
+                <a:lumMod val="128000"/>
+              </a:schemeClr>
+            </a:gs>
+            <a:gs pos="50000">
+              <a:schemeClr val="bg2">
+                <a:shade val="100000"/>
+                <a:hueMod val="100000"/>
+                <a:satMod val="110000"/>
+                <a:lumMod val="130000"/>
+              </a:schemeClr>
+            </a:gs>
+            <a:gs pos="100000">
+              <a:schemeClr val="bg2">
+                <a:shade val="78000"/>
+                <a:hueMod val="44000"/>
+                <a:satMod val="200000"/>
+                <a:lumMod val="69000"/>
+              </a:schemeClr>
+            </a:gs>
+          </a:gsLst>
+          <a:lin ang="2520000" scaled="0"/>
+        </a:gradFill>
+        <a:effectLst/>
+      </p:bgPr>
+    </p:bg>
+    <p:spTree>
+      <p:nvGrpSpPr>
+        <p:cNvPr id="1" name=""/>
+        <p:cNvGrpSpPr/>
+        <p:nvPr/>
+      </p:nvGrpSpPr>
+      <p:grpSpPr>
+        <a:xfrm>
+          <a:off x="0" y="0"/>
+          <a:ext cx="0" cy="0"/>
+          <a:chOff x="0" y="0"/>
+          <a:chExt cx="0" cy="0"/>
+        </a:xfrm>
+      </p:grpSpPr>
+      <p:sp>
+        <p:nvSpPr>
+          <p:cNvPr id="3" name="Rectángulo 2">
+            <a:extLst>
+              <a:ext uri="{FF2B5EF4-FFF2-40B4-BE49-F238E27FC236}">
+                <a16:creationId xmlns:a16="http://schemas.microsoft.com/office/drawing/2014/main" id="{011DA267-8E11-4F22-937A-CF80E974C997}"/>
+              </a:ext>
+            </a:extLst>
+          </p:cNvPr>
+          <p:cNvSpPr/>
+          <p:nvPr/>
+        </p:nvSpPr>
+        <p:spPr>
+          <a:xfrm>
+            <a:off x="266330" y="2691414"/>
+            <a:ext cx="2104008" cy="914400"/>
+          </a:xfrm>
+          <a:prstGeom prst="rect">
+            <a:avLst/>
+          </a:prstGeom>
+        </p:spPr>
+        <p:style>
+          <a:lnRef idx="2">
+            <a:schemeClr val="accent1">
+              <a:shade val="50000"/>
+            </a:schemeClr>
+          </a:lnRef>
+          <a:fillRef idx="1">
+            <a:schemeClr val="accent1"/>
+          </a:fillRef>
+          <a:effectRef idx="0">
+            <a:schemeClr val="accent1"/>
+          </a:effectRef>
+          <a:fontRef idx="minor">
+            <a:schemeClr val="lt1"/>
+          </a:fontRef>
+        </p:style>
+        <p:txBody>
+          <a:bodyPr rtlCol="0" anchor="ctr"/>
+          <a:lstStyle/>
+          <a:p>
+            <a:pPr algn="ctr"/>
+            <a:r>
+              <a:rPr lang="es-ES" dirty="0"/>
+              <a:t>Evento de atacar jugador</a:t>
+            </a:r>
+          </a:p>
+        </p:txBody>
+      </p:sp>
+      <p:sp>
+        <p:nvSpPr>
+          <p:cNvPr id="4" name="Rectángulo: esquinas redondeadas 3">
+            <a:extLst>
+              <a:ext uri="{FF2B5EF4-FFF2-40B4-BE49-F238E27FC236}">
+                <a16:creationId xmlns:a16="http://schemas.microsoft.com/office/drawing/2014/main" id="{8B67699F-417F-4655-9526-5465D5713C2E}"/>
+              </a:ext>
+            </a:extLst>
+          </p:cNvPr>
+          <p:cNvSpPr/>
+          <p:nvPr/>
+        </p:nvSpPr>
+        <p:spPr>
+          <a:xfrm>
+            <a:off x="3409025" y="2691414"/>
+            <a:ext cx="1518082" cy="914400"/>
+          </a:xfrm>
+          <a:prstGeom prst="roundRect">
+            <a:avLst/>
+          </a:prstGeom>
+        </p:spPr>
+        <p:style>
+          <a:lnRef idx="2">
+            <a:schemeClr val="accent1">
+              <a:shade val="50000"/>
+            </a:schemeClr>
+          </a:lnRef>
+          <a:fillRef idx="1">
+            <a:schemeClr val="accent1"/>
+          </a:fillRef>
+          <a:effectRef idx="0">
+            <a:schemeClr val="accent1"/>
+          </a:effectRef>
+          <a:fontRef idx="minor">
+            <a:schemeClr val="lt1"/>
+          </a:fontRef>
+        </p:style>
+        <p:txBody>
+          <a:bodyPr rtlCol="0" anchor="ctr"/>
+          <a:lstStyle/>
+          <a:p>
+            <a:pPr algn="ctr"/>
+            <a:r>
+              <a:rPr lang="es-ES" dirty="0"/>
+              <a:t>Selector de combo</a:t>
+            </a:r>
+          </a:p>
+        </p:txBody>
+      </p:sp>
+      <p:cxnSp>
+        <p:nvCxnSpPr>
+          <p:cNvPr id="6" name="Conector recto de flecha 5">
+            <a:extLst>
+              <a:ext uri="{FF2B5EF4-FFF2-40B4-BE49-F238E27FC236}">
+                <a16:creationId xmlns:a16="http://schemas.microsoft.com/office/drawing/2014/main" id="{B0C0D7C5-2BE7-4B28-AB91-3397FA9578D3}"/>
+              </a:ext>
+            </a:extLst>
+          </p:cNvPr>
+          <p:cNvCxnSpPr>
+            <a:stCxn id="3" idx="3"/>
+            <a:endCxn id="4" idx="1"/>
+          </p:cNvCxnSpPr>
+          <p:nvPr/>
+        </p:nvCxnSpPr>
+        <p:spPr>
+          <a:xfrm>
+            <a:off x="2370338" y="3148614"/>
+            <a:ext cx="1038687" cy="0"/>
+          </a:xfrm>
+          <a:prstGeom prst="straightConnector1">
+            <a:avLst/>
+          </a:prstGeom>
+          <a:ln>
+            <a:tailEnd type="triangle"/>
+          </a:ln>
+        </p:spPr>
+        <p:style>
+          <a:lnRef idx="1">
+            <a:schemeClr val="accent1"/>
+          </a:lnRef>
+          <a:fillRef idx="0">
+            <a:schemeClr val="accent1"/>
+          </a:fillRef>
+          <a:effectRef idx="0">
+            <a:schemeClr val="accent1"/>
+          </a:effectRef>
+          <a:fontRef idx="minor">
+            <a:schemeClr val="tx1"/>
+          </a:fontRef>
+        </p:style>
+      </p:cxnSp>
+      <p:sp>
+        <p:nvSpPr>
+          <p:cNvPr id="7" name="Rectángulo: esquinas redondeadas 6">
+            <a:extLst>
+              <a:ext uri="{FF2B5EF4-FFF2-40B4-BE49-F238E27FC236}">
+                <a16:creationId xmlns:a16="http://schemas.microsoft.com/office/drawing/2014/main" id="{5548FB17-AC1D-48D5-B736-0C49E938C5E6}"/>
+              </a:ext>
+            </a:extLst>
+          </p:cNvPr>
+          <p:cNvSpPr/>
+          <p:nvPr/>
+        </p:nvSpPr>
+        <p:spPr>
+          <a:xfrm>
+            <a:off x="6010183" y="372862"/>
+            <a:ext cx="1642368" cy="754602"/>
+          </a:xfrm>
+          <a:prstGeom prst="roundRect">
+            <a:avLst/>
+          </a:prstGeom>
+        </p:spPr>
+        <p:style>
+          <a:lnRef idx="2">
+            <a:schemeClr val="accent1">
+              <a:shade val="50000"/>
+            </a:schemeClr>
+          </a:lnRef>
+          <a:fillRef idx="1">
+            <a:schemeClr val="accent1"/>
+          </a:fillRef>
+          <a:effectRef idx="0">
+            <a:schemeClr val="accent1"/>
+          </a:effectRef>
+          <a:fontRef idx="minor">
+            <a:schemeClr val="lt1"/>
+          </a:fontRef>
+        </p:style>
+        <p:txBody>
+          <a:bodyPr rtlCol="0" anchor="ctr"/>
+          <a:lstStyle/>
+          <a:p>
+            <a:pPr algn="ctr"/>
+            <a:r>
+              <a:rPr lang="es-ES" dirty="0"/>
+              <a:t>Combo 1</a:t>
+            </a:r>
+          </a:p>
+        </p:txBody>
+      </p:sp>
+      <p:sp>
+        <p:nvSpPr>
+          <p:cNvPr id="18" name="Rectángulo: esquinas redondeadas 17">
+            <a:extLst>
+              <a:ext uri="{FF2B5EF4-FFF2-40B4-BE49-F238E27FC236}">
+                <a16:creationId xmlns:a16="http://schemas.microsoft.com/office/drawing/2014/main" id="{3C2BFF31-F452-4ACC-93C5-9467D5AC884B}"/>
+              </a:ext>
+            </a:extLst>
+          </p:cNvPr>
+          <p:cNvSpPr/>
+          <p:nvPr/>
+        </p:nvSpPr>
+        <p:spPr>
+          <a:xfrm>
+            <a:off x="6010183" y="1563949"/>
+            <a:ext cx="1642368" cy="754602"/>
+          </a:xfrm>
+          <a:prstGeom prst="roundRect">
+            <a:avLst/>
+          </a:prstGeom>
+        </p:spPr>
+        <p:style>
+          <a:lnRef idx="2">
+            <a:schemeClr val="accent1">
+              <a:shade val="50000"/>
+            </a:schemeClr>
+          </a:lnRef>
+          <a:fillRef idx="1">
+            <a:schemeClr val="accent1"/>
+          </a:fillRef>
+          <a:effectRef idx="0">
+            <a:schemeClr val="accent1"/>
+          </a:effectRef>
+          <a:fontRef idx="minor">
+            <a:schemeClr val="lt1"/>
+          </a:fontRef>
+        </p:style>
+        <p:txBody>
+          <a:bodyPr rtlCol="0" anchor="ctr"/>
+          <a:lstStyle/>
+          <a:p>
+            <a:pPr algn="ctr"/>
+            <a:r>
+              <a:rPr lang="es-ES" dirty="0"/>
+              <a:t>Combo 2</a:t>
+            </a:r>
+          </a:p>
+        </p:txBody>
+      </p:sp>
+      <p:sp>
+        <p:nvSpPr>
+          <p:cNvPr id="19" name="Rectángulo: esquinas redondeadas 18">
+            <a:extLst>
+              <a:ext uri="{FF2B5EF4-FFF2-40B4-BE49-F238E27FC236}">
+                <a16:creationId xmlns:a16="http://schemas.microsoft.com/office/drawing/2014/main" id="{80B03421-661B-4EC1-8212-2AB7324F89EC}"/>
+              </a:ext>
+            </a:extLst>
+          </p:cNvPr>
+          <p:cNvSpPr/>
+          <p:nvPr/>
+        </p:nvSpPr>
+        <p:spPr>
+          <a:xfrm>
+            <a:off x="6010183" y="2851212"/>
+            <a:ext cx="1642368" cy="754602"/>
+          </a:xfrm>
+          <a:prstGeom prst="roundRect">
+            <a:avLst/>
+          </a:prstGeom>
+        </p:spPr>
+        <p:style>
+          <a:lnRef idx="2">
+            <a:schemeClr val="accent1">
+              <a:shade val="50000"/>
+            </a:schemeClr>
+          </a:lnRef>
+          <a:fillRef idx="1">
+            <a:schemeClr val="accent1"/>
+          </a:fillRef>
+          <a:effectRef idx="0">
+            <a:schemeClr val="accent1"/>
+          </a:effectRef>
+          <a:fontRef idx="minor">
+            <a:schemeClr val="lt1"/>
+          </a:fontRef>
+        </p:style>
+        <p:txBody>
+          <a:bodyPr rtlCol="0" anchor="ctr"/>
+          <a:lstStyle/>
+          <a:p>
+            <a:pPr algn="ctr"/>
+            <a:r>
+              <a:rPr lang="es-ES" dirty="0"/>
+              <a:t>Combo 3</a:t>
+            </a:r>
+          </a:p>
+        </p:txBody>
+      </p:sp>
+      <p:sp>
+        <p:nvSpPr>
+          <p:cNvPr id="20" name="Rectángulo: esquinas redondeadas 19">
+            <a:extLst>
+              <a:ext uri="{FF2B5EF4-FFF2-40B4-BE49-F238E27FC236}">
+                <a16:creationId xmlns:a16="http://schemas.microsoft.com/office/drawing/2014/main" id="{A3896C66-773F-4F1D-B595-C62367DE8A04}"/>
+              </a:ext>
+            </a:extLst>
+          </p:cNvPr>
+          <p:cNvSpPr/>
+          <p:nvPr/>
+        </p:nvSpPr>
+        <p:spPr>
+          <a:xfrm>
+            <a:off x="6010183" y="4324905"/>
+            <a:ext cx="1642368" cy="754602"/>
+          </a:xfrm>
+          <a:prstGeom prst="roundRect">
+            <a:avLst/>
+          </a:prstGeom>
+        </p:spPr>
+        <p:style>
+          <a:lnRef idx="2">
+            <a:schemeClr val="accent1">
+              <a:shade val="50000"/>
+            </a:schemeClr>
+          </a:lnRef>
+          <a:fillRef idx="1">
+            <a:schemeClr val="accent1"/>
+          </a:fillRef>
+          <a:effectRef idx="0">
+            <a:schemeClr val="accent1"/>
+          </a:effectRef>
+          <a:fontRef idx="minor">
+            <a:schemeClr val="lt1"/>
+          </a:fontRef>
+        </p:style>
+        <p:txBody>
+          <a:bodyPr rtlCol="0" anchor="ctr"/>
+          <a:lstStyle/>
+          <a:p>
+            <a:pPr algn="ctr"/>
+            <a:r>
+              <a:rPr lang="es-ES" dirty="0"/>
+              <a:t>Combo N</a:t>
+            </a:r>
+          </a:p>
+        </p:txBody>
+      </p:sp>
+      <p:sp>
+        <p:nvSpPr>
+          <p:cNvPr id="22" name="Rectángulo: esquinas redondeadas 21">
+            <a:extLst>
+              <a:ext uri="{FF2B5EF4-FFF2-40B4-BE49-F238E27FC236}">
+                <a16:creationId xmlns:a16="http://schemas.microsoft.com/office/drawing/2014/main" id="{75C41718-EBA4-419F-AD7D-C81BC19AD4AD}"/>
+              </a:ext>
+            </a:extLst>
+          </p:cNvPr>
+          <p:cNvSpPr/>
+          <p:nvPr/>
+        </p:nvSpPr>
+        <p:spPr>
+          <a:xfrm>
+            <a:off x="6010183" y="5730536"/>
+            <a:ext cx="1642368" cy="754602"/>
+          </a:xfrm>
+          <a:prstGeom prst="roundRect">
+            <a:avLst/>
+          </a:prstGeom>
+        </p:spPr>
+        <p:style>
+          <a:lnRef idx="2">
+            <a:schemeClr val="accent1">
+              <a:shade val="50000"/>
+            </a:schemeClr>
+          </a:lnRef>
+          <a:fillRef idx="1">
+            <a:schemeClr val="accent1"/>
+          </a:fillRef>
+          <a:effectRef idx="0">
+            <a:schemeClr val="accent1"/>
+          </a:effectRef>
+          <a:fontRef idx="minor">
+            <a:schemeClr val="lt1"/>
+          </a:fontRef>
+        </p:style>
+        <p:txBody>
+          <a:bodyPr rtlCol="0" anchor="ctr"/>
+          <a:lstStyle/>
+          <a:p>
+            <a:pPr algn="ctr"/>
+            <a:r>
+              <a:rPr lang="es-ES" dirty="0"/>
+              <a:t>Combos con poca vida</a:t>
+            </a:r>
+          </a:p>
+        </p:txBody>
+      </p:sp>
+      <p:cxnSp>
+        <p:nvCxnSpPr>
+          <p:cNvPr id="11" name="Conector recto de flecha 10">
+            <a:extLst>
+              <a:ext uri="{FF2B5EF4-FFF2-40B4-BE49-F238E27FC236}">
+                <a16:creationId xmlns:a16="http://schemas.microsoft.com/office/drawing/2014/main" id="{247CFC7D-F784-483E-85BD-1E83FE8A7434}"/>
+              </a:ext>
+            </a:extLst>
+          </p:cNvPr>
+          <p:cNvCxnSpPr>
+            <a:stCxn id="4" idx="3"/>
+            <a:endCxn id="7" idx="1"/>
+          </p:cNvCxnSpPr>
+          <p:nvPr/>
+        </p:nvCxnSpPr>
+        <p:spPr>
+          <a:xfrm flipV="1">
+            <a:off x="4927107" y="750163"/>
+            <a:ext cx="1083076" cy="2398451"/>
+          </a:xfrm>
+          <a:prstGeom prst="straightConnector1">
+            <a:avLst/>
+          </a:prstGeom>
+          <a:ln>
+            <a:tailEnd type="triangle"/>
+          </a:ln>
+        </p:spPr>
+        <p:style>
+          <a:lnRef idx="1">
+            <a:schemeClr val="accent1"/>
+          </a:lnRef>
+          <a:fillRef idx="0">
+            <a:schemeClr val="accent1"/>
+          </a:fillRef>
+          <a:effectRef idx="0">
+            <a:schemeClr val="accent1"/>
+          </a:effectRef>
+          <a:fontRef idx="minor">
+            <a:schemeClr val="tx1"/>
+          </a:fontRef>
+        </p:style>
+      </p:cxnSp>
+      <p:cxnSp>
+        <p:nvCxnSpPr>
+          <p:cNvPr id="14" name="Conector recto de flecha 13">
+            <a:extLst>
+              <a:ext uri="{FF2B5EF4-FFF2-40B4-BE49-F238E27FC236}">
+                <a16:creationId xmlns:a16="http://schemas.microsoft.com/office/drawing/2014/main" id="{934A2C93-0EC2-45C6-B073-8935A8555933}"/>
+              </a:ext>
+            </a:extLst>
+          </p:cNvPr>
+          <p:cNvCxnSpPr>
+            <a:stCxn id="4" idx="3"/>
+            <a:endCxn id="18" idx="1"/>
+          </p:cNvCxnSpPr>
+          <p:nvPr/>
+        </p:nvCxnSpPr>
+        <p:spPr>
+          <a:xfrm flipV="1">
+            <a:off x="4927107" y="1941250"/>
+            <a:ext cx="1083076" cy="1207364"/>
+          </a:xfrm>
+          <a:prstGeom prst="straightConnector1">
+            <a:avLst/>
+          </a:prstGeom>
+          <a:ln>
+            <a:tailEnd type="triangle"/>
+          </a:ln>
+        </p:spPr>
+        <p:style>
+          <a:lnRef idx="1">
+            <a:schemeClr val="accent1"/>
+          </a:lnRef>
+          <a:fillRef idx="0">
+            <a:schemeClr val="accent1"/>
+          </a:fillRef>
+          <a:effectRef idx="0">
+            <a:schemeClr val="accent1"/>
+          </a:effectRef>
+          <a:fontRef idx="minor">
+            <a:schemeClr val="tx1"/>
+          </a:fontRef>
+        </p:style>
+      </p:cxnSp>
+      <p:cxnSp>
+        <p:nvCxnSpPr>
+          <p:cNvPr id="16" name="Conector recto de flecha 15">
+            <a:extLst>
+              <a:ext uri="{FF2B5EF4-FFF2-40B4-BE49-F238E27FC236}">
+                <a16:creationId xmlns:a16="http://schemas.microsoft.com/office/drawing/2014/main" id="{09B2595C-FFD1-4AF8-8389-E00F567C0E18}"/>
+              </a:ext>
+            </a:extLst>
+          </p:cNvPr>
+          <p:cNvCxnSpPr>
+            <a:stCxn id="4" idx="3"/>
+            <a:endCxn id="19" idx="1"/>
+          </p:cNvCxnSpPr>
+          <p:nvPr/>
+        </p:nvCxnSpPr>
+        <p:spPr>
+          <a:xfrm>
+            <a:off x="4927107" y="3148614"/>
+            <a:ext cx="1083076" cy="79899"/>
+          </a:xfrm>
+          <a:prstGeom prst="straightConnector1">
+            <a:avLst/>
+          </a:prstGeom>
+          <a:ln>
+            <a:tailEnd type="triangle"/>
+          </a:ln>
+        </p:spPr>
+        <p:style>
+          <a:lnRef idx="1">
+            <a:schemeClr val="accent1"/>
+          </a:lnRef>
+          <a:fillRef idx="0">
+            <a:schemeClr val="accent1"/>
+          </a:fillRef>
+          <a:effectRef idx="0">
+            <a:schemeClr val="accent1"/>
+          </a:effectRef>
+          <a:fontRef idx="minor">
+            <a:schemeClr val="tx1"/>
+          </a:fontRef>
+        </p:style>
+      </p:cxnSp>
+      <p:cxnSp>
+        <p:nvCxnSpPr>
+          <p:cNvPr id="23" name="Conector recto de flecha 22">
+            <a:extLst>
+              <a:ext uri="{FF2B5EF4-FFF2-40B4-BE49-F238E27FC236}">
+                <a16:creationId xmlns:a16="http://schemas.microsoft.com/office/drawing/2014/main" id="{BF5C13B2-C082-471E-A7CF-176F0A7D3D57}"/>
+              </a:ext>
+            </a:extLst>
+          </p:cNvPr>
+          <p:cNvCxnSpPr>
+            <a:stCxn id="4" idx="3"/>
+            <a:endCxn id="20" idx="1"/>
+          </p:cNvCxnSpPr>
+          <p:nvPr/>
+        </p:nvCxnSpPr>
+        <p:spPr>
+          <a:xfrm>
+            <a:off x="4927107" y="3148614"/>
+            <a:ext cx="1083076" cy="1553592"/>
+          </a:xfrm>
+          <a:prstGeom prst="straightConnector1">
+            <a:avLst/>
+          </a:prstGeom>
+          <a:ln>
+            <a:tailEnd type="triangle"/>
+          </a:ln>
+        </p:spPr>
+        <p:style>
+          <a:lnRef idx="1">
+            <a:schemeClr val="accent1"/>
+          </a:lnRef>
+          <a:fillRef idx="0">
+            <a:schemeClr val="accent1"/>
+          </a:fillRef>
+          <a:effectRef idx="0">
+            <a:schemeClr val="accent1"/>
+          </a:effectRef>
+          <a:fontRef idx="minor">
+            <a:schemeClr val="tx1"/>
+          </a:fontRef>
+        </p:style>
+      </p:cxnSp>
+      <p:cxnSp>
+        <p:nvCxnSpPr>
+          <p:cNvPr id="25" name="Conector recto de flecha 24">
+            <a:extLst>
+              <a:ext uri="{FF2B5EF4-FFF2-40B4-BE49-F238E27FC236}">
+                <a16:creationId xmlns:a16="http://schemas.microsoft.com/office/drawing/2014/main" id="{BF761820-E0D7-4812-B83D-C190C8D6FC7F}"/>
+              </a:ext>
+            </a:extLst>
+          </p:cNvPr>
+          <p:cNvCxnSpPr>
+            <a:stCxn id="4" idx="3"/>
+            <a:endCxn id="22" idx="1"/>
+          </p:cNvCxnSpPr>
+          <p:nvPr/>
+        </p:nvCxnSpPr>
+        <p:spPr>
+          <a:xfrm>
+            <a:off x="4927107" y="3148614"/>
+            <a:ext cx="1083076" cy="2959223"/>
+          </a:xfrm>
+          <a:prstGeom prst="straightConnector1">
+            <a:avLst/>
+          </a:prstGeom>
+          <a:ln>
+            <a:tailEnd type="triangle"/>
+          </a:ln>
+        </p:spPr>
+        <p:style>
+          <a:lnRef idx="1">
+            <a:schemeClr val="accent1"/>
+          </a:lnRef>
+          <a:fillRef idx="0">
+            <a:schemeClr val="accent1"/>
+          </a:fillRef>
+          <a:effectRef idx="0">
+            <a:schemeClr val="accent1"/>
+          </a:effectRef>
+          <a:fontRef idx="minor">
+            <a:schemeClr val="tx1"/>
+          </a:fontRef>
+        </p:style>
+      </p:cxnSp>
+      <p:sp>
+        <p:nvSpPr>
+          <p:cNvPr id="26" name="Elipse 25">
+            <a:extLst>
+              <a:ext uri="{FF2B5EF4-FFF2-40B4-BE49-F238E27FC236}">
+                <a16:creationId xmlns:a16="http://schemas.microsoft.com/office/drawing/2014/main" id="{526289CC-693C-4DE0-BA36-40638F19AE3C}"/>
+              </a:ext>
+            </a:extLst>
+          </p:cNvPr>
+          <p:cNvSpPr/>
+          <p:nvPr/>
+        </p:nvSpPr>
+        <p:spPr>
+          <a:xfrm>
+            <a:off x="10724224" y="2737282"/>
+            <a:ext cx="1473693" cy="1060882"/>
+          </a:xfrm>
+          <a:prstGeom prst="ellipse">
+            <a:avLst/>
+          </a:prstGeom>
+        </p:spPr>
+        <p:style>
+          <a:lnRef idx="2">
+            <a:schemeClr val="accent1">
+              <a:shade val="50000"/>
+            </a:schemeClr>
+          </a:lnRef>
+          <a:fillRef idx="1">
+            <a:schemeClr val="accent1"/>
+          </a:fillRef>
+          <a:effectRef idx="0">
+            <a:schemeClr val="accent1"/>
+          </a:effectRef>
+          <a:fontRef idx="minor">
+            <a:schemeClr val="lt1"/>
+          </a:fontRef>
+        </p:style>
+        <p:txBody>
+          <a:bodyPr rtlCol="0" anchor="ctr"/>
+          <a:lstStyle/>
+          <a:p>
+            <a:pPr algn="ctr"/>
+            <a:r>
+              <a:rPr lang="es-ES" dirty="0"/>
+              <a:t>Combo acabado</a:t>
+            </a:r>
+          </a:p>
+        </p:txBody>
+      </p:sp>
+      <p:sp>
+        <p:nvSpPr>
+          <p:cNvPr id="30" name="Rectángulo: esquinas redondeadas 29">
+            <a:extLst>
+              <a:ext uri="{FF2B5EF4-FFF2-40B4-BE49-F238E27FC236}">
+                <a16:creationId xmlns:a16="http://schemas.microsoft.com/office/drawing/2014/main" id="{42455A9D-8FD6-4CCF-AAA3-115E1090A2A4}"/>
+              </a:ext>
+            </a:extLst>
+          </p:cNvPr>
+          <p:cNvSpPr/>
+          <p:nvPr/>
+        </p:nvSpPr>
+        <p:spPr>
+          <a:xfrm>
+            <a:off x="8367203" y="2812002"/>
+            <a:ext cx="1642368" cy="833022"/>
+          </a:xfrm>
+          <a:prstGeom prst="roundRect">
+            <a:avLst/>
+          </a:prstGeom>
+        </p:spPr>
+        <p:style>
+          <a:lnRef idx="2">
+            <a:schemeClr val="accent1">
+              <a:shade val="50000"/>
+            </a:schemeClr>
+          </a:lnRef>
+          <a:fillRef idx="1">
+            <a:schemeClr val="accent1"/>
+          </a:fillRef>
+          <a:effectRef idx="0">
+            <a:schemeClr val="accent1"/>
+          </a:effectRef>
+          <a:fontRef idx="minor">
+            <a:schemeClr val="lt1"/>
+          </a:fontRef>
+        </p:style>
+        <p:txBody>
+          <a:bodyPr rtlCol="0" anchor="ctr"/>
+          <a:lstStyle/>
+          <a:p>
+            <a:pPr algn="ctr"/>
+            <a:r>
+              <a:rPr lang="es-ES" dirty="0"/>
+              <a:t>Jugador fuera de rango</a:t>
+            </a:r>
+          </a:p>
+        </p:txBody>
+      </p:sp>
+      <p:cxnSp>
+        <p:nvCxnSpPr>
+          <p:cNvPr id="36" name="Conector recto de flecha 35">
+            <a:extLst>
+              <a:ext uri="{FF2B5EF4-FFF2-40B4-BE49-F238E27FC236}">
+                <a16:creationId xmlns:a16="http://schemas.microsoft.com/office/drawing/2014/main" id="{0C403923-80DD-4A04-8780-C497E7F378AF}"/>
+              </a:ext>
+            </a:extLst>
+          </p:cNvPr>
+          <p:cNvCxnSpPr>
+            <a:stCxn id="30" idx="3"/>
+            <a:endCxn id="26" idx="2"/>
+          </p:cNvCxnSpPr>
+          <p:nvPr/>
+        </p:nvCxnSpPr>
+        <p:spPr>
+          <a:xfrm>
+            <a:off x="10009571" y="3228513"/>
+            <a:ext cx="714653" cy="39210"/>
+          </a:xfrm>
+          <a:prstGeom prst="straightConnector1">
+            <a:avLst/>
+          </a:prstGeom>
+          <a:ln>
+            <a:tailEnd type="triangle"/>
+          </a:ln>
+        </p:spPr>
+        <p:style>
+          <a:lnRef idx="1">
+            <a:schemeClr val="accent1"/>
+          </a:lnRef>
+          <a:fillRef idx="0">
+            <a:schemeClr val="accent1"/>
+          </a:fillRef>
+          <a:effectRef idx="0">
+            <a:schemeClr val="accent1"/>
+          </a:effectRef>
+          <a:fontRef idx="minor">
+            <a:schemeClr val="tx1"/>
+          </a:fontRef>
+        </p:style>
+      </p:cxnSp>
+      <p:cxnSp>
+        <p:nvCxnSpPr>
+          <p:cNvPr id="40" name="Conector recto de flecha 39">
+            <a:extLst>
+              <a:ext uri="{FF2B5EF4-FFF2-40B4-BE49-F238E27FC236}">
+                <a16:creationId xmlns:a16="http://schemas.microsoft.com/office/drawing/2014/main" id="{CFAA8E4D-1275-4491-87C0-05ABDB5B15C8}"/>
+              </a:ext>
+            </a:extLst>
+          </p:cNvPr>
+          <p:cNvCxnSpPr>
+            <a:stCxn id="7" idx="3"/>
+            <a:endCxn id="30" idx="1"/>
+          </p:cNvCxnSpPr>
+          <p:nvPr/>
+        </p:nvCxnSpPr>
+        <p:spPr>
+          <a:xfrm>
+            <a:off x="7652551" y="750163"/>
+            <a:ext cx="714652" cy="2478350"/>
+          </a:xfrm>
+          <a:prstGeom prst="straightConnector1">
+            <a:avLst/>
+          </a:prstGeom>
+          <a:ln>
+            <a:tailEnd type="triangle"/>
+          </a:ln>
+        </p:spPr>
+        <p:style>
+          <a:lnRef idx="1">
+            <a:schemeClr val="accent1"/>
+          </a:lnRef>
+          <a:fillRef idx="0">
+            <a:schemeClr val="accent1"/>
+          </a:fillRef>
+          <a:effectRef idx="0">
+            <a:schemeClr val="accent1"/>
+          </a:effectRef>
+          <a:fontRef idx="minor">
+            <a:schemeClr val="tx1"/>
+          </a:fontRef>
+        </p:style>
+      </p:cxnSp>
+      <p:cxnSp>
+        <p:nvCxnSpPr>
+          <p:cNvPr id="43" name="Conector recto de flecha 42">
+            <a:extLst>
+              <a:ext uri="{FF2B5EF4-FFF2-40B4-BE49-F238E27FC236}">
+                <a16:creationId xmlns:a16="http://schemas.microsoft.com/office/drawing/2014/main" id="{E46B6DBA-735D-4802-AA8B-759EA2EAF4C7}"/>
+              </a:ext>
+            </a:extLst>
+          </p:cNvPr>
+          <p:cNvCxnSpPr>
+            <a:stCxn id="18" idx="3"/>
+            <a:endCxn id="30" idx="1"/>
+          </p:cNvCxnSpPr>
+          <p:nvPr/>
+        </p:nvCxnSpPr>
+        <p:spPr>
+          <a:xfrm>
+            <a:off x="7652551" y="1941250"/>
+            <a:ext cx="714652" cy="1287263"/>
+          </a:xfrm>
+          <a:prstGeom prst="straightConnector1">
+            <a:avLst/>
+          </a:prstGeom>
+          <a:ln>
+            <a:tailEnd type="triangle"/>
+          </a:ln>
+        </p:spPr>
+        <p:style>
+          <a:lnRef idx="1">
+            <a:schemeClr val="accent1"/>
+          </a:lnRef>
+          <a:fillRef idx="0">
+            <a:schemeClr val="accent1"/>
+          </a:fillRef>
+          <a:effectRef idx="0">
+            <a:schemeClr val="accent1"/>
+          </a:effectRef>
+          <a:fontRef idx="minor">
+            <a:schemeClr val="tx1"/>
+          </a:fontRef>
+        </p:style>
+      </p:cxnSp>
+      <p:cxnSp>
+        <p:nvCxnSpPr>
+          <p:cNvPr id="45" name="Conector recto de flecha 44">
+            <a:extLst>
+              <a:ext uri="{FF2B5EF4-FFF2-40B4-BE49-F238E27FC236}">
+                <a16:creationId xmlns:a16="http://schemas.microsoft.com/office/drawing/2014/main" id="{4D63B1B5-E85B-47B5-BD11-8655F054AB2E}"/>
+              </a:ext>
+            </a:extLst>
+          </p:cNvPr>
+          <p:cNvCxnSpPr>
+            <a:stCxn id="19" idx="3"/>
+            <a:endCxn id="30" idx="1"/>
+          </p:cNvCxnSpPr>
+          <p:nvPr/>
+        </p:nvCxnSpPr>
+        <p:spPr>
+          <a:xfrm>
+            <a:off x="7652551" y="3228513"/>
+            <a:ext cx="714652" cy="0"/>
+          </a:xfrm>
+          <a:prstGeom prst="straightConnector1">
+            <a:avLst/>
+          </a:prstGeom>
+          <a:ln>
+            <a:tailEnd type="triangle"/>
+          </a:ln>
+        </p:spPr>
+        <p:style>
+          <a:lnRef idx="1">
+            <a:schemeClr val="accent1"/>
+          </a:lnRef>
+          <a:fillRef idx="0">
+            <a:schemeClr val="accent1"/>
+          </a:fillRef>
+          <a:effectRef idx="0">
+            <a:schemeClr val="accent1"/>
+          </a:effectRef>
+          <a:fontRef idx="minor">
+            <a:schemeClr val="tx1"/>
+          </a:fontRef>
+        </p:style>
+      </p:cxnSp>
+      <p:cxnSp>
+        <p:nvCxnSpPr>
+          <p:cNvPr id="47" name="Conector recto de flecha 46">
+            <a:extLst>
+              <a:ext uri="{FF2B5EF4-FFF2-40B4-BE49-F238E27FC236}">
+                <a16:creationId xmlns:a16="http://schemas.microsoft.com/office/drawing/2014/main" id="{586CD2ED-BF2C-4184-B955-6D71747632B4}"/>
+              </a:ext>
+            </a:extLst>
+          </p:cNvPr>
+          <p:cNvCxnSpPr>
+            <a:stCxn id="20" idx="3"/>
+            <a:endCxn id="30" idx="1"/>
+          </p:cNvCxnSpPr>
+          <p:nvPr/>
+        </p:nvCxnSpPr>
+        <p:spPr>
+          <a:xfrm flipV="1">
+            <a:off x="7652551" y="3228513"/>
+            <a:ext cx="714652" cy="1473693"/>
+          </a:xfrm>
+          <a:prstGeom prst="straightConnector1">
+            <a:avLst/>
+          </a:prstGeom>
+          <a:ln>
+            <a:tailEnd type="triangle"/>
+          </a:ln>
+        </p:spPr>
+        <p:style>
+          <a:lnRef idx="1">
+            <a:schemeClr val="accent1"/>
+          </a:lnRef>
+          <a:fillRef idx="0">
+            <a:schemeClr val="accent1"/>
+          </a:fillRef>
+          <a:effectRef idx="0">
+            <a:schemeClr val="accent1"/>
+          </a:effectRef>
+          <a:fontRef idx="minor">
+            <a:schemeClr val="tx1"/>
+          </a:fontRef>
+        </p:style>
+      </p:cxnSp>
+      <p:cxnSp>
+        <p:nvCxnSpPr>
+          <p:cNvPr id="49" name="Conector recto de flecha 48">
+            <a:extLst>
+              <a:ext uri="{FF2B5EF4-FFF2-40B4-BE49-F238E27FC236}">
+                <a16:creationId xmlns:a16="http://schemas.microsoft.com/office/drawing/2014/main" id="{A0385DC1-61BC-4724-90A8-C0180939C7FF}"/>
+              </a:ext>
+            </a:extLst>
+          </p:cNvPr>
+          <p:cNvCxnSpPr>
+            <a:stCxn id="22" idx="3"/>
+            <a:endCxn id="30" idx="1"/>
+          </p:cNvCxnSpPr>
+          <p:nvPr/>
+        </p:nvCxnSpPr>
+        <p:spPr>
+          <a:xfrm flipV="1">
+            <a:off x="7652551" y="3228513"/>
+            <a:ext cx="714652" cy="2879324"/>
+          </a:xfrm>
+          <a:prstGeom prst="straightConnector1">
+            <a:avLst/>
+          </a:prstGeom>
+          <a:ln>
+            <a:tailEnd type="triangle"/>
+          </a:ln>
+        </p:spPr>
+        <p:style>
+          <a:lnRef idx="1">
+            <a:schemeClr val="accent1"/>
+          </a:lnRef>
+          <a:fillRef idx="0">
+            <a:schemeClr val="accent1"/>
+          </a:fillRef>
+          <a:effectRef idx="0">
+            <a:schemeClr val="accent1"/>
+          </a:effectRef>
+          <a:fontRef idx="minor">
+            <a:schemeClr val="tx1"/>
+          </a:fontRef>
+        </p:style>
+      </p:cxnSp>
+      <p:sp>
+        <p:nvSpPr>
+          <p:cNvPr id="50" name="Rectángulo: esquinas redondeadas 49">
+            <a:extLst>
+              <a:ext uri="{FF2B5EF4-FFF2-40B4-BE49-F238E27FC236}">
+                <a16:creationId xmlns:a16="http://schemas.microsoft.com/office/drawing/2014/main" id="{A8C79665-C1B5-4CEF-A758-9B8D1A2E5D52}"/>
+              </a:ext>
+            </a:extLst>
+          </p:cNvPr>
+          <p:cNvSpPr/>
+          <p:nvPr/>
+        </p:nvSpPr>
+        <p:spPr>
+          <a:xfrm>
+            <a:off x="3622089" y="4339701"/>
+            <a:ext cx="1305018" cy="754577"/>
+          </a:xfrm>
+          <a:prstGeom prst="roundRect">
+            <a:avLst/>
+          </a:prstGeom>
+        </p:spPr>
+        <p:style>
+          <a:lnRef idx="2">
+            <a:schemeClr val="accent1">
+              <a:shade val="50000"/>
+            </a:schemeClr>
+          </a:lnRef>
+          <a:fillRef idx="1">
+            <a:schemeClr val="accent1"/>
+          </a:fillRef>
+          <a:effectRef idx="0">
+            <a:schemeClr val="accent1"/>
+          </a:effectRef>
+          <a:fontRef idx="minor">
+            <a:schemeClr val="lt1"/>
+          </a:fontRef>
+        </p:style>
+        <p:txBody>
+          <a:bodyPr rtlCol="0" anchor="ctr"/>
+          <a:lstStyle/>
+          <a:p>
+            <a:pPr algn="ctr"/>
+            <a:r>
+              <a:rPr lang="es-ES" dirty="0"/>
+              <a:t>Continuar combo</a:t>
+            </a:r>
+          </a:p>
+        </p:txBody>
+      </p:sp>
+      <p:cxnSp>
+        <p:nvCxnSpPr>
+          <p:cNvPr id="52" name="Conector recto de flecha 51">
+            <a:extLst>
+              <a:ext uri="{FF2B5EF4-FFF2-40B4-BE49-F238E27FC236}">
+                <a16:creationId xmlns:a16="http://schemas.microsoft.com/office/drawing/2014/main" id="{26BC6ABD-69B5-4B3C-8583-79D04852B87E}"/>
+              </a:ext>
+            </a:extLst>
+          </p:cNvPr>
+          <p:cNvCxnSpPr>
+            <a:cxnSpLocks/>
+            <a:stCxn id="30" idx="2"/>
+            <a:endCxn id="50" idx="3"/>
+          </p:cNvCxnSpPr>
+          <p:nvPr/>
+        </p:nvCxnSpPr>
+        <p:spPr>
+          <a:xfrm flipH="1">
+            <a:off x="4927107" y="3645024"/>
+            <a:ext cx="4261280" cy="1071966"/>
+          </a:xfrm>
+          <a:prstGeom prst="straightConnector1">
+            <a:avLst/>
+          </a:prstGeom>
+          <a:ln>
+            <a:tailEnd type="triangle"/>
+          </a:ln>
+        </p:spPr>
+        <p:style>
+          <a:lnRef idx="1">
+            <a:schemeClr val="accent1"/>
+          </a:lnRef>
+          <a:fillRef idx="0">
+            <a:schemeClr val="accent1"/>
+          </a:fillRef>
+          <a:effectRef idx="0">
+            <a:schemeClr val="accent1"/>
+          </a:effectRef>
+          <a:fontRef idx="minor">
+            <a:schemeClr val="tx1"/>
+          </a:fontRef>
+        </p:style>
+      </p:cxnSp>
+      <p:sp>
+        <p:nvSpPr>
+          <p:cNvPr id="53" name="CuadroTexto 52">
+            <a:extLst>
+              <a:ext uri="{FF2B5EF4-FFF2-40B4-BE49-F238E27FC236}">
+                <a16:creationId xmlns:a16="http://schemas.microsoft.com/office/drawing/2014/main" id="{B203D7FB-EAA0-42E3-B166-480936553C48}"/>
+              </a:ext>
+            </a:extLst>
+          </p:cNvPr>
+          <p:cNvSpPr txBox="1"/>
+          <p:nvPr/>
+        </p:nvSpPr>
+        <p:spPr>
+          <a:xfrm>
+            <a:off x="10156051" y="2766135"/>
+            <a:ext cx="568172" cy="372862"/>
+          </a:xfrm>
+          <a:prstGeom prst="rect">
+            <a:avLst/>
+          </a:prstGeom>
+          <a:noFill/>
+        </p:spPr>
+        <p:txBody>
+          <a:bodyPr wrap="square" rtlCol="0">
+            <a:spAutoFit/>
+          </a:bodyPr>
+          <a:lstStyle/>
+          <a:p>
+            <a:r>
+              <a:rPr lang="es-ES" dirty="0"/>
+              <a:t>Sí</a:t>
+            </a:r>
+          </a:p>
+        </p:txBody>
+      </p:sp>
+      <p:sp>
+        <p:nvSpPr>
+          <p:cNvPr id="63" name="CuadroTexto 62">
+            <a:extLst>
+              <a:ext uri="{FF2B5EF4-FFF2-40B4-BE49-F238E27FC236}">
+                <a16:creationId xmlns:a16="http://schemas.microsoft.com/office/drawing/2014/main" id="{75F090E6-B20F-4A04-B79C-511365461C3C}"/>
+              </a:ext>
+            </a:extLst>
+          </p:cNvPr>
+          <p:cNvSpPr txBox="1"/>
+          <p:nvPr/>
+        </p:nvSpPr>
+        <p:spPr>
+          <a:xfrm>
+            <a:off x="9195046" y="3886031"/>
+            <a:ext cx="625874" cy="369332"/>
+          </a:xfrm>
+          <a:prstGeom prst="rect">
+            <a:avLst/>
+          </a:prstGeom>
+          <a:noFill/>
+        </p:spPr>
+        <p:txBody>
+          <a:bodyPr wrap="square" rtlCol="0">
+            <a:spAutoFit/>
+          </a:bodyPr>
+          <a:lstStyle/>
+          <a:p>
+            <a:r>
+              <a:rPr lang="es-ES" dirty="0"/>
+              <a:t>No</a:t>
+            </a:r>
+          </a:p>
+        </p:txBody>
+      </p:sp>
+      <p:cxnSp>
+        <p:nvCxnSpPr>
+          <p:cNvPr id="74" name="Conector recto de flecha 73">
+            <a:extLst>
+              <a:ext uri="{FF2B5EF4-FFF2-40B4-BE49-F238E27FC236}">
+                <a16:creationId xmlns:a16="http://schemas.microsoft.com/office/drawing/2014/main" id="{FC38FCD7-3A96-447D-922C-EFEAFA9ACFCA}"/>
+              </a:ext>
+            </a:extLst>
+          </p:cNvPr>
+          <p:cNvCxnSpPr>
+            <a:cxnSpLocks/>
+            <a:stCxn id="50" idx="0"/>
+            <a:endCxn id="4" idx="2"/>
+          </p:cNvCxnSpPr>
+          <p:nvPr/>
+        </p:nvCxnSpPr>
+        <p:spPr>
+          <a:xfrm flipH="1" flipV="1">
+            <a:off x="4168066" y="3605814"/>
+            <a:ext cx="106532" cy="733887"/>
+          </a:xfrm>
+          <a:prstGeom prst="straightConnector1">
+            <a:avLst/>
+          </a:prstGeom>
+          <a:ln>
+            <a:tailEnd type="triangle"/>
+          </a:ln>
+        </p:spPr>
+        <p:style>
+          <a:lnRef idx="1">
+            <a:schemeClr val="accent1"/>
+          </a:lnRef>
+          <a:fillRef idx="0">
+            <a:schemeClr val="accent1"/>
+          </a:fillRef>
+          <a:effectRef idx="0">
+            <a:schemeClr val="accent1"/>
+          </a:effectRef>
+          <a:fontRef idx="minor">
+            <a:schemeClr val="tx1"/>
+          </a:fontRef>
+        </p:style>
+      </p:cxnSp>
+    </p:spTree>
+    <p:extLst>
+      <p:ext uri="{BB962C8B-B14F-4D97-AF65-F5344CB8AC3E}">
+        <p14:creationId xmlns:p14="http://schemas.microsoft.com/office/powerpoint/2010/main" val="1514672966"/>
+      </p:ext>
+    </p:extLst>
+  </p:cSld>
+  <p:clrMapOvr>
+    <a:masterClrMapping/>
+  </p:clrMapOvr>
+</p:sld>
+</file>
+
 <file path=ppt/theme/theme1.xml><?xml version="1.0" encoding="utf-8"?>
 <a:theme xmlns:a="http://schemas.openxmlformats.org/drawingml/2006/main" name="Tema de Office">
   <a:themeElements>

--- a/DOCUMENTOS/pruebas.pptx
+++ b/DOCUMENTOS/pruebas.pptx
@@ -267,7 +267,7 @@
           <a:p>
             <a:fld id="{EDAEA687-FD54-4C1E-B5BE-4D2DA1082E4F}" type="datetimeFigureOut">
               <a:rPr lang="es-ES" smtClean="0"/>
-              <a:t>18/05/2018</a:t>
+              <a:t>03/06/2018</a:t>
             </a:fld>
             <a:endParaRPr lang="es-ES"/>
           </a:p>
@@ -465,7 +465,7 @@
           <a:p>
             <a:fld id="{EDAEA687-FD54-4C1E-B5BE-4D2DA1082E4F}" type="datetimeFigureOut">
               <a:rPr lang="es-ES" smtClean="0"/>
-              <a:t>18/05/2018</a:t>
+              <a:t>03/06/2018</a:t>
             </a:fld>
             <a:endParaRPr lang="es-ES"/>
           </a:p>
@@ -673,7 +673,7 @@
           <a:p>
             <a:fld id="{EDAEA687-FD54-4C1E-B5BE-4D2DA1082E4F}" type="datetimeFigureOut">
               <a:rPr lang="es-ES" smtClean="0"/>
-              <a:t>18/05/2018</a:t>
+              <a:t>03/06/2018</a:t>
             </a:fld>
             <a:endParaRPr lang="es-ES"/>
           </a:p>
@@ -871,7 +871,7 @@
           <a:p>
             <a:fld id="{EDAEA687-FD54-4C1E-B5BE-4D2DA1082E4F}" type="datetimeFigureOut">
               <a:rPr lang="es-ES" smtClean="0"/>
-              <a:t>18/05/2018</a:t>
+              <a:t>03/06/2018</a:t>
             </a:fld>
             <a:endParaRPr lang="es-ES"/>
           </a:p>
@@ -1146,7 +1146,7 @@
           <a:p>
             <a:fld id="{EDAEA687-FD54-4C1E-B5BE-4D2DA1082E4F}" type="datetimeFigureOut">
               <a:rPr lang="es-ES" smtClean="0"/>
-              <a:t>18/05/2018</a:t>
+              <a:t>03/06/2018</a:t>
             </a:fld>
             <a:endParaRPr lang="es-ES"/>
           </a:p>
@@ -1411,7 +1411,7 @@
           <a:p>
             <a:fld id="{EDAEA687-FD54-4C1E-B5BE-4D2DA1082E4F}" type="datetimeFigureOut">
               <a:rPr lang="es-ES" smtClean="0"/>
-              <a:t>18/05/2018</a:t>
+              <a:t>03/06/2018</a:t>
             </a:fld>
             <a:endParaRPr lang="es-ES"/>
           </a:p>
@@ -1823,7 +1823,7 @@
           <a:p>
             <a:fld id="{EDAEA687-FD54-4C1E-B5BE-4D2DA1082E4F}" type="datetimeFigureOut">
               <a:rPr lang="es-ES" smtClean="0"/>
-              <a:t>18/05/2018</a:t>
+              <a:t>03/06/2018</a:t>
             </a:fld>
             <a:endParaRPr lang="es-ES"/>
           </a:p>
@@ -1964,7 +1964,7 @@
           <a:p>
             <a:fld id="{EDAEA687-FD54-4C1E-B5BE-4D2DA1082E4F}" type="datetimeFigureOut">
               <a:rPr lang="es-ES" smtClean="0"/>
-              <a:t>18/05/2018</a:t>
+              <a:t>03/06/2018</a:t>
             </a:fld>
             <a:endParaRPr lang="es-ES"/>
           </a:p>
@@ -2077,7 +2077,7 @@
           <a:p>
             <a:fld id="{EDAEA687-FD54-4C1E-B5BE-4D2DA1082E4F}" type="datetimeFigureOut">
               <a:rPr lang="es-ES" smtClean="0"/>
-              <a:t>18/05/2018</a:t>
+              <a:t>03/06/2018</a:t>
             </a:fld>
             <a:endParaRPr lang="es-ES"/>
           </a:p>
@@ -2388,7 +2388,7 @@
           <a:p>
             <a:fld id="{EDAEA687-FD54-4C1E-B5BE-4D2DA1082E4F}" type="datetimeFigureOut">
               <a:rPr lang="es-ES" smtClean="0"/>
-              <a:t>18/05/2018</a:t>
+              <a:t>03/06/2018</a:t>
             </a:fld>
             <a:endParaRPr lang="es-ES"/>
           </a:p>
@@ -2676,7 +2676,7 @@
           <a:p>
             <a:fld id="{EDAEA687-FD54-4C1E-B5BE-4D2DA1082E4F}" type="datetimeFigureOut">
               <a:rPr lang="es-ES" smtClean="0"/>
-              <a:t>18/05/2018</a:t>
+              <a:t>03/06/2018</a:t>
             </a:fld>
             <a:endParaRPr lang="es-ES"/>
           </a:p>
@@ -2917,7 +2917,7 @@
           <a:p>
             <a:fld id="{EDAEA687-FD54-4C1E-B5BE-4D2DA1082E4F}" type="datetimeFigureOut">
               <a:rPr lang="es-ES" smtClean="0"/>
-              <a:t>18/05/2018</a:t>
+              <a:t>03/06/2018</a:t>
             </a:fld>
             <a:endParaRPr lang="es-ES"/>
           </a:p>
